--- a/Unidad_3/Presentación.pptx
+++ b/Unidad_3/Presentación.pptx
@@ -5,25 +5,14 @@
     <p:sldMasterId id="2147483648" r:id="rId4"/>
   </p:sldMasterIdLst>
   <p:notesMasterIdLst>
-    <p:notesMasterId r:id="rId21"/>
+    <p:notesMasterId r:id="rId10"/>
   </p:notesMasterIdLst>
   <p:sldIdLst>
     <p:sldId id="256" r:id="rId5"/>
     <p:sldId id="257" r:id="rId6"/>
-    <p:sldId id="258" r:id="rId7"/>
-    <p:sldId id="260" r:id="rId8"/>
-    <p:sldId id="261" r:id="rId9"/>
-    <p:sldId id="262" r:id="rId10"/>
-    <p:sldId id="263" r:id="rId11"/>
-    <p:sldId id="264" r:id="rId12"/>
-    <p:sldId id="269" r:id="rId13"/>
-    <p:sldId id="270" r:id="rId14"/>
-    <p:sldId id="271" r:id="rId15"/>
-    <p:sldId id="265" r:id="rId16"/>
-    <p:sldId id="266" r:id="rId17"/>
-    <p:sldId id="267" r:id="rId18"/>
-    <p:sldId id="268" r:id="rId19"/>
-    <p:sldId id="272" r:id="rId20"/>
+    <p:sldId id="273" r:id="rId7"/>
+    <p:sldId id="274" r:id="rId8"/>
+    <p:sldId id="275" r:id="rId9"/>
   </p:sldIdLst>
   <p:sldSz cx="12192000" cy="6858000"/>
   <p:notesSz cx="6858000" cy="9144000"/>
@@ -126,6 +115,9 @@
     <p:ext uri="{EFAFB233-063F-42B5-8137-9DF3F51BA10A}">
       <p15:sldGuideLst xmlns:p15="http://schemas.microsoft.com/office/powerpoint/2012/main"/>
     </p:ext>
+    <p:ext uri="{2D200454-40CA-4A62-9FC3-DE9A4176ACB9}">
+      <p15:notesGuideLst xmlns:p15="http://schemas.microsoft.com/office/powerpoint/2012/main"/>
+    </p:ext>
   </p:extLst>
 </p:presentation>
 </file>
@@ -220,7 +212,7 @@
           <a:p>
             <a:fld id="{F29DC657-A5B9-41B4-AB57-79E3DB3481E8}" type="datetimeFigureOut">
               <a:rPr lang="en-US" smtClean="0"/>
-              <a:t>9/14/2024</a:t>
+              <a:t>9/16/2024</a:t>
             </a:fld>
             <a:endParaRPr lang="en-US"/>
           </a:p>
@@ -655,376 +647,6 @@
 </p:notes>
 </file>
 
-<file path=ppt/notesSlides/notesSlide3.xml><?xml version="1.0" encoding="utf-8"?>
-<p:notes xmlns:a="http://schemas.openxmlformats.org/drawingml/2006/main" xmlns:r="http://schemas.openxmlformats.org/officeDocument/2006/relationships" xmlns:p="http://schemas.openxmlformats.org/presentationml/2006/main">
-  <p:cSld>
-    <p:spTree>
-      <p:nvGrpSpPr>
-        <p:cNvPr id="1" name=""/>
-        <p:cNvGrpSpPr/>
-        <p:nvPr/>
-      </p:nvGrpSpPr>
-      <p:grpSpPr>
-        <a:xfrm>
-          <a:off x="0" y="0"/>
-          <a:ext cx="0" cy="0"/>
-          <a:chOff x="0" y="0"/>
-          <a:chExt cx="0" cy="0"/>
-        </a:xfrm>
-      </p:grpSpPr>
-      <p:sp>
-        <p:nvSpPr>
-          <p:cNvPr id="2" name="Slide Image Placeholder 1"/>
-          <p:cNvSpPr>
-            <a:spLocks noGrp="1" noRot="1" noChangeAspect="1"/>
-          </p:cNvSpPr>
-          <p:nvPr>
-            <p:ph type="sldImg"/>
-          </p:nvPr>
-        </p:nvSpPr>
-        <p:spPr/>
-      </p:sp>
-      <p:sp>
-        <p:nvSpPr>
-          <p:cNvPr id="3" name="Notes Placeholder 2"/>
-          <p:cNvSpPr>
-            <a:spLocks noGrp="1"/>
-          </p:cNvSpPr>
-          <p:nvPr>
-            <p:ph type="body" idx="1"/>
-          </p:nvPr>
-        </p:nvSpPr>
-        <p:spPr/>
-        <p:txBody>
-          <a:bodyPr/>
-          <a:lstStyle/>
-          <a:p>
-            <a:endParaRPr lang="es-EC" dirty="0"/>
-          </a:p>
-        </p:txBody>
-      </p:sp>
-      <p:sp>
-        <p:nvSpPr>
-          <p:cNvPr id="4" name="Slide Number Placeholder 3"/>
-          <p:cNvSpPr>
-            <a:spLocks noGrp="1"/>
-          </p:cNvSpPr>
-          <p:nvPr>
-            <p:ph type="sldNum" sz="quarter" idx="5"/>
-          </p:nvPr>
-        </p:nvSpPr>
-        <p:spPr/>
-        <p:txBody>
-          <a:bodyPr/>
-          <a:lstStyle/>
-          <a:p>
-            <a:fld id="{36CC9BE2-C275-426F-8D4D-ABF95C3D0034}" type="slidenum">
-              <a:rPr lang="en-US" smtClean="0"/>
-              <a:t>3</a:t>
-            </a:fld>
-            <a:endParaRPr lang="en-US"/>
-          </a:p>
-        </p:txBody>
-      </p:sp>
-    </p:spTree>
-    <p:extLst>
-      <p:ext uri="{BB962C8B-B14F-4D97-AF65-F5344CB8AC3E}">
-        <p14:creationId xmlns:p14="http://schemas.microsoft.com/office/powerpoint/2010/main" val="2308169874"/>
-      </p:ext>
-    </p:extLst>
-  </p:cSld>
-  <p:clrMapOvr>
-    <a:masterClrMapping/>
-  </p:clrMapOvr>
-</p:notes>
-</file>
-
-<file path=ppt/notesSlides/notesSlide4.xml><?xml version="1.0" encoding="utf-8"?>
-<p:notes xmlns:a="http://schemas.openxmlformats.org/drawingml/2006/main" xmlns:r="http://schemas.openxmlformats.org/officeDocument/2006/relationships" xmlns:p="http://schemas.openxmlformats.org/presentationml/2006/main">
-  <p:cSld>
-    <p:spTree>
-      <p:nvGrpSpPr>
-        <p:cNvPr id="1" name=""/>
-        <p:cNvGrpSpPr/>
-        <p:nvPr/>
-      </p:nvGrpSpPr>
-      <p:grpSpPr>
-        <a:xfrm>
-          <a:off x="0" y="0"/>
-          <a:ext cx="0" cy="0"/>
-          <a:chOff x="0" y="0"/>
-          <a:chExt cx="0" cy="0"/>
-        </a:xfrm>
-      </p:grpSpPr>
-      <p:sp>
-        <p:nvSpPr>
-          <p:cNvPr id="2" name="Slide Image Placeholder 1"/>
-          <p:cNvSpPr>
-            <a:spLocks noGrp="1" noRot="1" noChangeAspect="1"/>
-          </p:cNvSpPr>
-          <p:nvPr>
-            <p:ph type="sldImg"/>
-          </p:nvPr>
-        </p:nvSpPr>
-        <p:spPr/>
-      </p:sp>
-      <p:sp>
-        <p:nvSpPr>
-          <p:cNvPr id="3" name="Notes Placeholder 2"/>
-          <p:cNvSpPr>
-            <a:spLocks noGrp="1"/>
-          </p:cNvSpPr>
-          <p:nvPr>
-            <p:ph type="body" idx="1"/>
-          </p:nvPr>
-        </p:nvSpPr>
-        <p:spPr/>
-        <p:txBody>
-          <a:bodyPr/>
-          <a:lstStyle/>
-          <a:p>
-            <a:r>
-              <a:rPr lang="es-EC" dirty="0"/>
-              <a:t>Gran comunidad</a:t>
-            </a:r>
-          </a:p>
-        </p:txBody>
-      </p:sp>
-      <p:sp>
-        <p:nvSpPr>
-          <p:cNvPr id="4" name="Slide Number Placeholder 3"/>
-          <p:cNvSpPr>
-            <a:spLocks noGrp="1"/>
-          </p:cNvSpPr>
-          <p:nvPr>
-            <p:ph type="sldNum" sz="quarter" idx="5"/>
-          </p:nvPr>
-        </p:nvSpPr>
-        <p:spPr/>
-        <p:txBody>
-          <a:bodyPr/>
-          <a:lstStyle/>
-          <a:p>
-            <a:fld id="{36CC9BE2-C275-426F-8D4D-ABF95C3D0034}" type="slidenum">
-              <a:rPr lang="en-US" smtClean="0"/>
-              <a:t>4</a:t>
-            </a:fld>
-            <a:endParaRPr lang="en-US"/>
-          </a:p>
-        </p:txBody>
-      </p:sp>
-    </p:spTree>
-    <p:extLst>
-      <p:ext uri="{BB962C8B-B14F-4D97-AF65-F5344CB8AC3E}">
-        <p14:creationId xmlns:p14="http://schemas.microsoft.com/office/powerpoint/2010/main" val="743377013"/>
-      </p:ext>
-    </p:extLst>
-  </p:cSld>
-  <p:clrMapOvr>
-    <a:masterClrMapping/>
-  </p:clrMapOvr>
-</p:notes>
-</file>
-
-<file path=ppt/notesSlides/notesSlide5.xml><?xml version="1.0" encoding="utf-8"?>
-<p:notes xmlns:a="http://schemas.openxmlformats.org/drawingml/2006/main" xmlns:r="http://schemas.openxmlformats.org/officeDocument/2006/relationships" xmlns:p="http://schemas.openxmlformats.org/presentationml/2006/main">
-  <p:cSld>
-    <p:spTree>
-      <p:nvGrpSpPr>
-        <p:cNvPr id="1" name=""/>
-        <p:cNvGrpSpPr/>
-        <p:nvPr/>
-      </p:nvGrpSpPr>
-      <p:grpSpPr>
-        <a:xfrm>
-          <a:off x="0" y="0"/>
-          <a:ext cx="0" cy="0"/>
-          <a:chOff x="0" y="0"/>
-          <a:chExt cx="0" cy="0"/>
-        </a:xfrm>
-      </p:grpSpPr>
-      <p:sp>
-        <p:nvSpPr>
-          <p:cNvPr id="2" name="Slide Image Placeholder 1"/>
-          <p:cNvSpPr>
-            <a:spLocks noGrp="1" noRot="1" noChangeAspect="1"/>
-          </p:cNvSpPr>
-          <p:nvPr>
-            <p:ph type="sldImg"/>
-          </p:nvPr>
-        </p:nvSpPr>
-        <p:spPr/>
-      </p:sp>
-      <p:sp>
-        <p:nvSpPr>
-          <p:cNvPr id="3" name="Notes Placeholder 2"/>
-          <p:cNvSpPr>
-            <a:spLocks noGrp="1"/>
-          </p:cNvSpPr>
-          <p:nvPr>
-            <p:ph type="body" idx="1"/>
-          </p:nvPr>
-        </p:nvSpPr>
-        <p:spPr/>
-        <p:txBody>
-          <a:bodyPr/>
-          <a:lstStyle/>
-          <a:p>
-            <a:endParaRPr lang="es-EC" dirty="0"/>
-          </a:p>
-        </p:txBody>
-      </p:sp>
-      <p:sp>
-        <p:nvSpPr>
-          <p:cNvPr id="4" name="Slide Number Placeholder 3"/>
-          <p:cNvSpPr>
-            <a:spLocks noGrp="1"/>
-          </p:cNvSpPr>
-          <p:nvPr>
-            <p:ph type="sldNum" sz="quarter" idx="5"/>
-          </p:nvPr>
-        </p:nvSpPr>
-        <p:spPr/>
-        <p:txBody>
-          <a:bodyPr/>
-          <a:lstStyle/>
-          <a:p>
-            <a:fld id="{36CC9BE2-C275-426F-8D4D-ABF95C3D0034}" type="slidenum">
-              <a:rPr lang="en-US" smtClean="0"/>
-              <a:t>14</a:t>
-            </a:fld>
-            <a:endParaRPr lang="en-US"/>
-          </a:p>
-        </p:txBody>
-      </p:sp>
-    </p:spTree>
-    <p:extLst>
-      <p:ext uri="{BB962C8B-B14F-4D97-AF65-F5344CB8AC3E}">
-        <p14:creationId xmlns:p14="http://schemas.microsoft.com/office/powerpoint/2010/main" val="1516803225"/>
-      </p:ext>
-    </p:extLst>
-  </p:cSld>
-  <p:clrMapOvr>
-    <a:masterClrMapping/>
-  </p:clrMapOvr>
-</p:notes>
-</file>
-
-<file path=ppt/notesSlides/notesSlide6.xml><?xml version="1.0" encoding="utf-8"?>
-<p:notes xmlns:a="http://schemas.openxmlformats.org/drawingml/2006/main" xmlns:r="http://schemas.openxmlformats.org/officeDocument/2006/relationships" xmlns:p="http://schemas.openxmlformats.org/presentationml/2006/main">
-  <p:cSld>
-    <p:spTree>
-      <p:nvGrpSpPr>
-        <p:cNvPr id="1" name=""/>
-        <p:cNvGrpSpPr/>
-        <p:nvPr/>
-      </p:nvGrpSpPr>
-      <p:grpSpPr>
-        <a:xfrm>
-          <a:off x="0" y="0"/>
-          <a:ext cx="0" cy="0"/>
-          <a:chOff x="0" y="0"/>
-          <a:chExt cx="0" cy="0"/>
-        </a:xfrm>
-      </p:grpSpPr>
-      <p:sp>
-        <p:nvSpPr>
-          <p:cNvPr id="2" name="Slide Image Placeholder 1"/>
-          <p:cNvSpPr>
-            <a:spLocks noGrp="1" noRot="1" noChangeAspect="1"/>
-          </p:cNvSpPr>
-          <p:nvPr>
-            <p:ph type="sldImg"/>
-          </p:nvPr>
-        </p:nvSpPr>
-        <p:spPr/>
-      </p:sp>
-      <p:sp>
-        <p:nvSpPr>
-          <p:cNvPr id="3" name="Notes Placeholder 2"/>
-          <p:cNvSpPr>
-            <a:spLocks noGrp="1"/>
-          </p:cNvSpPr>
-          <p:nvPr>
-            <p:ph type="body" idx="1"/>
-          </p:nvPr>
-        </p:nvSpPr>
-        <p:spPr/>
-        <p:txBody>
-          <a:bodyPr/>
-          <a:lstStyle/>
-          <a:p>
-            <a:pPr marL="0" marR="0" lvl="0" indent="0" algn="l" defTabSz="914400" rtl="0" eaLnBrk="1" fontAlgn="auto" latinLnBrk="0" hangingPunct="1">
-              <a:lnSpc>
-                <a:spcPct val="100000"/>
-              </a:lnSpc>
-              <a:spcBef>
-                <a:spcPts val="0"/>
-              </a:spcBef>
-              <a:spcAft>
-                <a:spcPts val="0"/>
-              </a:spcAft>
-              <a:buClrTx/>
-              <a:buSzTx/>
-              <a:buFontTx/>
-              <a:buNone/>
-              <a:tabLst/>
-              <a:defRPr/>
-            </a:pPr>
-            <a:r>
-              <a:rPr lang="es-EC" dirty="0"/>
-              <a:t>Motivarlos a que rendericen el componente pero ahora desde un array de objetos con las claves </a:t>
-            </a:r>
-            <a:r>
-              <a:rPr lang="es-EC" dirty="0" err="1"/>
-              <a:t>url</a:t>
-            </a:r>
-            <a:r>
-              <a:rPr lang="es-EC" dirty="0"/>
-              <a:t> y name.</a:t>
-            </a:r>
-          </a:p>
-          <a:p>
-            <a:endParaRPr lang="es-EC" dirty="0"/>
-          </a:p>
-        </p:txBody>
-      </p:sp>
-      <p:sp>
-        <p:nvSpPr>
-          <p:cNvPr id="4" name="Slide Number Placeholder 3"/>
-          <p:cNvSpPr>
-            <a:spLocks noGrp="1"/>
-          </p:cNvSpPr>
-          <p:nvPr>
-            <p:ph type="sldNum" sz="quarter" idx="5"/>
-          </p:nvPr>
-        </p:nvSpPr>
-        <p:spPr/>
-        <p:txBody>
-          <a:bodyPr/>
-          <a:lstStyle/>
-          <a:p>
-            <a:fld id="{36CC9BE2-C275-426F-8D4D-ABF95C3D0034}" type="slidenum">
-              <a:rPr lang="en-US" smtClean="0"/>
-              <a:t>15</a:t>
-            </a:fld>
-            <a:endParaRPr lang="en-US"/>
-          </a:p>
-        </p:txBody>
-      </p:sp>
-    </p:spTree>
-    <p:extLst>
-      <p:ext uri="{BB962C8B-B14F-4D97-AF65-F5344CB8AC3E}">
-        <p14:creationId xmlns:p14="http://schemas.microsoft.com/office/powerpoint/2010/main" val="2912142077"/>
-      </p:ext>
-    </p:extLst>
-  </p:cSld>
-  <p:clrMapOvr>
-    <a:masterClrMapping/>
-  </p:clrMapOvr>
-</p:notes>
-</file>
-
 <file path=ppt/slideLayouts/slideLayout1.xml><?xml version="1.0" encoding="utf-8"?>
 <p:sldLayout xmlns:a="http://schemas.openxmlformats.org/drawingml/2006/main" xmlns:r="http://schemas.openxmlformats.org/officeDocument/2006/relationships" xmlns:p="http://schemas.openxmlformats.org/presentationml/2006/main" type="title" preserve="1">
   <p:cSld name="Title Slide">
@@ -1172,7 +794,7 @@
           <a:p>
             <a:fld id="{E0B89D21-97A6-4434-B3B1-BAF5738D61F3}" type="datetimeFigureOut">
               <a:rPr lang="en-US" smtClean="0"/>
-              <a:t>9/14/2024</a:t>
+              <a:t>9/16/2024</a:t>
             </a:fld>
             <a:endParaRPr lang="en-US"/>
           </a:p>
@@ -1370,7 +992,7 @@
           <a:p>
             <a:fld id="{E0B89D21-97A6-4434-B3B1-BAF5738D61F3}" type="datetimeFigureOut">
               <a:rPr lang="en-US" smtClean="0"/>
-              <a:t>9/14/2024</a:t>
+              <a:t>9/16/2024</a:t>
             </a:fld>
             <a:endParaRPr lang="en-US"/>
           </a:p>
@@ -1578,7 +1200,7 @@
           <a:p>
             <a:fld id="{E0B89D21-97A6-4434-B3B1-BAF5738D61F3}" type="datetimeFigureOut">
               <a:rPr lang="en-US" smtClean="0"/>
-              <a:t>9/14/2024</a:t>
+              <a:t>9/16/2024</a:t>
             </a:fld>
             <a:endParaRPr lang="en-US"/>
           </a:p>
@@ -1845,7 +1467,7 @@
           <a:p>
             <a:fld id="{E0B89D21-97A6-4434-B3B1-BAF5738D61F3}" type="datetimeFigureOut">
               <a:rPr lang="en-US" smtClean="0"/>
-              <a:t>9/14/2024</a:t>
+              <a:t>9/16/2024</a:t>
             </a:fld>
             <a:endParaRPr lang="en-US"/>
           </a:p>
@@ -2120,7 +1742,7 @@
           <a:p>
             <a:fld id="{E0B89D21-97A6-4434-B3B1-BAF5738D61F3}" type="datetimeFigureOut">
               <a:rPr lang="en-US" smtClean="0"/>
-              <a:t>9/14/2024</a:t>
+              <a:t>9/16/2024</a:t>
             </a:fld>
             <a:endParaRPr lang="en-US"/>
           </a:p>
@@ -2385,7 +2007,7 @@
           <a:p>
             <a:fld id="{E0B89D21-97A6-4434-B3B1-BAF5738D61F3}" type="datetimeFigureOut">
               <a:rPr lang="en-US" smtClean="0"/>
-              <a:t>9/14/2024</a:t>
+              <a:t>9/16/2024</a:t>
             </a:fld>
             <a:endParaRPr lang="en-US"/>
           </a:p>
@@ -2797,7 +2419,7 @@
           <a:p>
             <a:fld id="{E0B89D21-97A6-4434-B3B1-BAF5738D61F3}" type="datetimeFigureOut">
               <a:rPr lang="en-US" smtClean="0"/>
-              <a:t>9/14/2024</a:t>
+              <a:t>9/16/2024</a:t>
             </a:fld>
             <a:endParaRPr lang="en-US"/>
           </a:p>
@@ -2938,7 +2560,7 @@
           <a:p>
             <a:fld id="{E0B89D21-97A6-4434-B3B1-BAF5738D61F3}" type="datetimeFigureOut">
               <a:rPr lang="en-US" smtClean="0"/>
-              <a:t>9/14/2024</a:t>
+              <a:t>9/16/2024</a:t>
             </a:fld>
             <a:endParaRPr lang="en-US"/>
           </a:p>
@@ -3051,7 +2673,7 @@
           <a:p>
             <a:fld id="{E0B89D21-97A6-4434-B3B1-BAF5738D61F3}" type="datetimeFigureOut">
               <a:rPr lang="en-US" smtClean="0"/>
-              <a:t>9/14/2024</a:t>
+              <a:t>9/16/2024</a:t>
             </a:fld>
             <a:endParaRPr lang="en-US"/>
           </a:p>
@@ -3362,7 +2984,7 @@
           <a:p>
             <a:fld id="{E0B89D21-97A6-4434-B3B1-BAF5738D61F3}" type="datetimeFigureOut">
               <a:rPr lang="en-US" smtClean="0"/>
-              <a:t>9/14/2024</a:t>
+              <a:t>9/16/2024</a:t>
             </a:fld>
             <a:endParaRPr lang="en-US"/>
           </a:p>
@@ -3650,7 +3272,7 @@
           <a:p>
             <a:fld id="{E0B89D21-97A6-4434-B3B1-BAF5738D61F3}" type="datetimeFigureOut">
               <a:rPr lang="en-US" smtClean="0"/>
-              <a:t>9/14/2024</a:t>
+              <a:t>9/16/2024</a:t>
             </a:fld>
             <a:endParaRPr lang="en-US"/>
           </a:p>
@@ -3891,7 +3513,7 @@
           <a:p>
             <a:fld id="{E0B89D21-97A6-4434-B3B1-BAF5738D61F3}" type="datetimeFigureOut">
               <a:rPr lang="en-US" smtClean="0"/>
-              <a:t>9/14/2024</a:t>
+              <a:t>9/16/2024</a:t>
             </a:fld>
             <a:endParaRPr lang="en-US"/>
           </a:p>
@@ -4359,7 +3981,7 @@
           <a:p>
             <a:r>
               <a:rPr lang="en-US" dirty="0"/>
-              <a:t>Módulo 1</a:t>
+              <a:t>Módulo 3</a:t>
             </a:r>
           </a:p>
         </p:txBody>
@@ -4368,554 +3990,6 @@
     <p:extLst>
       <p:ext uri="{BB962C8B-B14F-4D97-AF65-F5344CB8AC3E}">
         <p14:creationId xmlns:p14="http://schemas.microsoft.com/office/powerpoint/2010/main" val="2934771278"/>
-      </p:ext>
-    </p:extLst>
-  </p:cSld>
-  <p:clrMapOvr>
-    <a:masterClrMapping/>
-  </p:clrMapOvr>
-</p:sld>
-</file>
-
-<file path=ppt/slides/slide10.xml><?xml version="1.0" encoding="utf-8"?>
-<p:sld xmlns:a="http://schemas.openxmlformats.org/drawingml/2006/main" xmlns:r="http://schemas.openxmlformats.org/officeDocument/2006/relationships" xmlns:p="http://schemas.openxmlformats.org/presentationml/2006/main">
-  <p:cSld>
-    <p:spTree>
-      <p:nvGrpSpPr>
-        <p:cNvPr id="1" name=""/>
-        <p:cNvGrpSpPr/>
-        <p:nvPr/>
-      </p:nvGrpSpPr>
-      <p:grpSpPr>
-        <a:xfrm>
-          <a:off x="0" y="0"/>
-          <a:ext cx="0" cy="0"/>
-          <a:chOff x="0" y="0"/>
-          <a:chExt cx="0" cy="0"/>
-        </a:xfrm>
-      </p:grpSpPr>
-      <p:pic>
-        <p:nvPicPr>
-          <p:cNvPr id="5" name="Picture 4">
-            <a:extLst>
-              <a:ext uri="{FF2B5EF4-FFF2-40B4-BE49-F238E27FC236}">
-                <a16:creationId xmlns:a16="http://schemas.microsoft.com/office/drawing/2014/main" id="{50653E16-ADFE-9174-1E1B-C3437E16CC10}"/>
-              </a:ext>
-            </a:extLst>
-          </p:cNvPr>
-          <p:cNvPicPr>
-            <a:picLocks noChangeAspect="1"/>
-          </p:cNvPicPr>
-          <p:nvPr/>
-        </p:nvPicPr>
-        <p:blipFill>
-          <a:blip r:embed="rId2"/>
-          <a:stretch>
-            <a:fillRect/>
-          </a:stretch>
-        </p:blipFill>
-        <p:spPr>
-          <a:xfrm>
-            <a:off x="2918306" y="775517"/>
-            <a:ext cx="6355388" cy="5306965"/>
-          </a:xfrm>
-          <a:prstGeom prst="rect">
-            <a:avLst/>
-          </a:prstGeom>
-        </p:spPr>
-      </p:pic>
-    </p:spTree>
-    <p:extLst>
-      <p:ext uri="{BB962C8B-B14F-4D97-AF65-F5344CB8AC3E}">
-        <p14:creationId xmlns:p14="http://schemas.microsoft.com/office/powerpoint/2010/main" val="3487897178"/>
-      </p:ext>
-    </p:extLst>
-  </p:cSld>
-  <p:clrMapOvr>
-    <a:masterClrMapping/>
-  </p:clrMapOvr>
-</p:sld>
-</file>
-
-<file path=ppt/slides/slide11.xml><?xml version="1.0" encoding="utf-8"?>
-<p:sld xmlns:a="http://schemas.openxmlformats.org/drawingml/2006/main" xmlns:r="http://schemas.openxmlformats.org/officeDocument/2006/relationships" xmlns:p="http://schemas.openxmlformats.org/presentationml/2006/main">
-  <p:cSld>
-    <p:spTree>
-      <p:nvGrpSpPr>
-        <p:cNvPr id="1" name=""/>
-        <p:cNvGrpSpPr/>
-        <p:nvPr/>
-      </p:nvGrpSpPr>
-      <p:grpSpPr>
-        <a:xfrm>
-          <a:off x="0" y="0"/>
-          <a:ext cx="0" cy="0"/>
-          <a:chOff x="0" y="0"/>
-          <a:chExt cx="0" cy="0"/>
-        </a:xfrm>
-      </p:grpSpPr>
-      <p:pic>
-        <p:nvPicPr>
-          <p:cNvPr id="3" name="Picture 2">
-            <a:extLst>
-              <a:ext uri="{FF2B5EF4-FFF2-40B4-BE49-F238E27FC236}">
-                <a16:creationId xmlns:a16="http://schemas.microsoft.com/office/drawing/2014/main" id="{378368AE-064E-CA6B-A680-8F098BA0F507}"/>
-              </a:ext>
-            </a:extLst>
-          </p:cNvPr>
-          <p:cNvPicPr>
-            <a:picLocks noChangeAspect="1"/>
-          </p:cNvPicPr>
-          <p:nvPr/>
-        </p:nvPicPr>
-        <p:blipFill>
-          <a:blip r:embed="rId2"/>
-          <a:stretch>
-            <a:fillRect/>
-          </a:stretch>
-        </p:blipFill>
-        <p:spPr>
-          <a:xfrm>
-            <a:off x="4635933" y="795010"/>
-            <a:ext cx="2920133" cy="5267980"/>
-          </a:xfrm>
-          <a:prstGeom prst="rect">
-            <a:avLst/>
-          </a:prstGeom>
-        </p:spPr>
-      </p:pic>
-    </p:spTree>
-    <p:extLst>
-      <p:ext uri="{BB962C8B-B14F-4D97-AF65-F5344CB8AC3E}">
-        <p14:creationId xmlns:p14="http://schemas.microsoft.com/office/powerpoint/2010/main" val="3295365350"/>
-      </p:ext>
-    </p:extLst>
-  </p:cSld>
-  <p:clrMapOvr>
-    <a:masterClrMapping/>
-  </p:clrMapOvr>
-</p:sld>
-</file>
-
-<file path=ppt/slides/slide12.xml><?xml version="1.0" encoding="utf-8"?>
-<p:sld xmlns:a="http://schemas.openxmlformats.org/drawingml/2006/main" xmlns:r="http://schemas.openxmlformats.org/officeDocument/2006/relationships" xmlns:p="http://schemas.openxmlformats.org/presentationml/2006/main">
-  <p:cSld>
-    <p:bg>
-      <p:bgPr>
-        <a:solidFill>
-          <a:schemeClr val="bg1"/>
-        </a:solidFill>
-        <a:effectLst/>
-      </p:bgPr>
-    </p:bg>
-    <p:spTree>
-      <p:nvGrpSpPr>
-        <p:cNvPr id="1" name=""/>
-        <p:cNvGrpSpPr/>
-        <p:nvPr/>
-      </p:nvGrpSpPr>
-      <p:grpSpPr>
-        <a:xfrm>
-          <a:off x="0" y="0"/>
-          <a:ext cx="0" cy="0"/>
-          <a:chOff x="0" y="0"/>
-          <a:chExt cx="0" cy="0"/>
-        </a:xfrm>
-      </p:grpSpPr>
-      <p:pic>
-        <p:nvPicPr>
-          <p:cNvPr id="3" name="Picture 2">
-            <a:extLst>
-              <a:ext uri="{FF2B5EF4-FFF2-40B4-BE49-F238E27FC236}">
-                <a16:creationId xmlns:a16="http://schemas.microsoft.com/office/drawing/2014/main" id="{373118A6-F49A-FC5F-5807-9B955C1A6D4C}"/>
-              </a:ext>
-            </a:extLst>
-          </p:cNvPr>
-          <p:cNvPicPr>
-            <a:picLocks noChangeAspect="1"/>
-          </p:cNvPicPr>
-          <p:nvPr/>
-        </p:nvPicPr>
-        <p:blipFill>
-          <a:blip r:embed="rId2"/>
-          <a:stretch>
-            <a:fillRect/>
-          </a:stretch>
-        </p:blipFill>
-        <p:spPr>
-          <a:xfrm>
-            <a:off x="1826983" y="643466"/>
-            <a:ext cx="8538034" cy="5571067"/>
-          </a:xfrm>
-          <a:prstGeom prst="rect">
-            <a:avLst/>
-          </a:prstGeom>
-        </p:spPr>
-      </p:pic>
-    </p:spTree>
-    <p:extLst>
-      <p:ext uri="{BB962C8B-B14F-4D97-AF65-F5344CB8AC3E}">
-        <p14:creationId xmlns:p14="http://schemas.microsoft.com/office/powerpoint/2010/main" val="1899568912"/>
-      </p:ext>
-    </p:extLst>
-  </p:cSld>
-  <p:clrMapOvr>
-    <a:masterClrMapping/>
-  </p:clrMapOvr>
-</p:sld>
-</file>
-
-<file path=ppt/slides/slide13.xml><?xml version="1.0" encoding="utf-8"?>
-<p:sld xmlns:a="http://schemas.openxmlformats.org/drawingml/2006/main" xmlns:r="http://schemas.openxmlformats.org/officeDocument/2006/relationships" xmlns:p="http://schemas.openxmlformats.org/presentationml/2006/main">
-  <p:cSld>
-    <p:bg>
-      <p:bgPr>
-        <a:solidFill>
-          <a:schemeClr val="bg1"/>
-        </a:solidFill>
-        <a:effectLst/>
-      </p:bgPr>
-    </p:bg>
-    <p:spTree>
-      <p:nvGrpSpPr>
-        <p:cNvPr id="1" name=""/>
-        <p:cNvGrpSpPr/>
-        <p:nvPr/>
-      </p:nvGrpSpPr>
-      <p:grpSpPr>
-        <a:xfrm>
-          <a:off x="0" y="0"/>
-          <a:ext cx="0" cy="0"/>
-          <a:chOff x="0" y="0"/>
-          <a:chExt cx="0" cy="0"/>
-        </a:xfrm>
-      </p:grpSpPr>
-      <p:pic>
-        <p:nvPicPr>
-          <p:cNvPr id="2" name="Picture 1">
-            <a:extLst>
-              <a:ext uri="{FF2B5EF4-FFF2-40B4-BE49-F238E27FC236}">
-                <a16:creationId xmlns:a16="http://schemas.microsoft.com/office/drawing/2014/main" id="{B48B3B4F-342F-828E-7F25-B46732FA6C29}"/>
-              </a:ext>
-            </a:extLst>
-          </p:cNvPr>
-          <p:cNvPicPr>
-            <a:picLocks noChangeAspect="1"/>
-          </p:cNvPicPr>
-          <p:nvPr/>
-        </p:nvPicPr>
-        <p:blipFill>
-          <a:blip r:embed="rId2"/>
-          <a:stretch>
-            <a:fillRect/>
-          </a:stretch>
-        </p:blipFill>
-        <p:spPr>
-          <a:xfrm>
-            <a:off x="1760540" y="643466"/>
-            <a:ext cx="8670920" cy="5571067"/>
-          </a:xfrm>
-          <a:prstGeom prst="rect">
-            <a:avLst/>
-          </a:prstGeom>
-        </p:spPr>
-      </p:pic>
-    </p:spTree>
-    <p:extLst>
-      <p:ext uri="{BB962C8B-B14F-4D97-AF65-F5344CB8AC3E}">
-        <p14:creationId xmlns:p14="http://schemas.microsoft.com/office/powerpoint/2010/main" val="4070480935"/>
-      </p:ext>
-    </p:extLst>
-  </p:cSld>
-  <p:clrMapOvr>
-    <a:masterClrMapping/>
-  </p:clrMapOvr>
-</p:sld>
-</file>
-
-<file path=ppt/slides/slide14.xml><?xml version="1.0" encoding="utf-8"?>
-<p:sld xmlns:a="http://schemas.openxmlformats.org/drawingml/2006/main" xmlns:r="http://schemas.openxmlformats.org/officeDocument/2006/relationships" xmlns:p="http://schemas.openxmlformats.org/presentationml/2006/main">
-  <p:cSld>
-    <p:spTree>
-      <p:nvGrpSpPr>
-        <p:cNvPr id="1" name=""/>
-        <p:cNvGrpSpPr/>
-        <p:nvPr/>
-      </p:nvGrpSpPr>
-      <p:grpSpPr>
-        <a:xfrm>
-          <a:off x="0" y="0"/>
-          <a:ext cx="0" cy="0"/>
-          <a:chOff x="0" y="0"/>
-          <a:chExt cx="0" cy="0"/>
-        </a:xfrm>
-      </p:grpSpPr>
-      <p:pic>
-        <p:nvPicPr>
-          <p:cNvPr id="5" name="Picture 4">
-            <a:extLst>
-              <a:ext uri="{FF2B5EF4-FFF2-40B4-BE49-F238E27FC236}">
-                <a16:creationId xmlns:a16="http://schemas.microsoft.com/office/drawing/2014/main" id="{38720653-EDFB-DB12-3865-E758CC11950C}"/>
-              </a:ext>
-            </a:extLst>
-          </p:cNvPr>
-          <p:cNvPicPr>
-            <a:picLocks noChangeAspect="1"/>
-          </p:cNvPicPr>
-          <p:nvPr/>
-        </p:nvPicPr>
-        <p:blipFill>
-          <a:blip r:embed="rId3"/>
-          <a:stretch>
-            <a:fillRect/>
-          </a:stretch>
-        </p:blipFill>
-        <p:spPr>
-          <a:xfrm>
-            <a:off x="2745601" y="0"/>
-            <a:ext cx="6700797" cy="6858000"/>
-          </a:xfrm>
-          <a:prstGeom prst="rect">
-            <a:avLst/>
-          </a:prstGeom>
-        </p:spPr>
-      </p:pic>
-    </p:spTree>
-    <p:extLst>
-      <p:ext uri="{BB962C8B-B14F-4D97-AF65-F5344CB8AC3E}">
-        <p14:creationId xmlns:p14="http://schemas.microsoft.com/office/powerpoint/2010/main" val="3954695099"/>
-      </p:ext>
-    </p:extLst>
-  </p:cSld>
-  <p:clrMapOvr>
-    <a:masterClrMapping/>
-  </p:clrMapOvr>
-</p:sld>
-</file>
-
-<file path=ppt/slides/slide15.xml><?xml version="1.0" encoding="utf-8"?>
-<p:sld xmlns:a="http://schemas.openxmlformats.org/drawingml/2006/main" xmlns:r="http://schemas.openxmlformats.org/officeDocument/2006/relationships" xmlns:p="http://schemas.openxmlformats.org/presentationml/2006/main">
-  <p:cSld>
-    <p:spTree>
-      <p:nvGrpSpPr>
-        <p:cNvPr id="1" name=""/>
-        <p:cNvGrpSpPr/>
-        <p:nvPr/>
-      </p:nvGrpSpPr>
-      <p:grpSpPr>
-        <a:xfrm>
-          <a:off x="0" y="0"/>
-          <a:ext cx="0" cy="0"/>
-          <a:chOff x="0" y="0"/>
-          <a:chExt cx="0" cy="0"/>
-        </a:xfrm>
-      </p:grpSpPr>
-      <p:pic>
-        <p:nvPicPr>
-          <p:cNvPr id="3" name="Picture 2">
-            <a:extLst>
-              <a:ext uri="{FF2B5EF4-FFF2-40B4-BE49-F238E27FC236}">
-                <a16:creationId xmlns:a16="http://schemas.microsoft.com/office/drawing/2014/main" id="{F724CDFE-BCE7-033D-289E-969016D1D505}"/>
-              </a:ext>
-            </a:extLst>
-          </p:cNvPr>
-          <p:cNvPicPr>
-            <a:picLocks noChangeAspect="1"/>
-          </p:cNvPicPr>
-          <p:nvPr/>
-        </p:nvPicPr>
-        <p:blipFill>
-          <a:blip r:embed="rId3"/>
-          <a:stretch>
-            <a:fillRect/>
-          </a:stretch>
-        </p:blipFill>
-        <p:spPr>
-          <a:xfrm>
-            <a:off x="1772989" y="0"/>
-            <a:ext cx="8646021" cy="6858000"/>
-          </a:xfrm>
-          <a:prstGeom prst="rect">
-            <a:avLst/>
-          </a:prstGeom>
-        </p:spPr>
-      </p:pic>
-    </p:spTree>
-    <p:extLst>
-      <p:ext uri="{BB962C8B-B14F-4D97-AF65-F5344CB8AC3E}">
-        <p14:creationId xmlns:p14="http://schemas.microsoft.com/office/powerpoint/2010/main" val="1773958891"/>
-      </p:ext>
-    </p:extLst>
-  </p:cSld>
-  <p:clrMapOvr>
-    <a:masterClrMapping/>
-  </p:clrMapOvr>
-</p:sld>
-</file>
-
-<file path=ppt/slides/slide16.xml><?xml version="1.0" encoding="utf-8"?>
-<p:sld xmlns:a="http://schemas.openxmlformats.org/drawingml/2006/main" xmlns:r="http://schemas.openxmlformats.org/officeDocument/2006/relationships" xmlns:p="http://schemas.openxmlformats.org/presentationml/2006/main">
-  <p:cSld>
-    <p:spTree>
-      <p:nvGrpSpPr>
-        <p:cNvPr id="1" name=""/>
-        <p:cNvGrpSpPr/>
-        <p:nvPr/>
-      </p:nvGrpSpPr>
-      <p:grpSpPr>
-        <a:xfrm>
-          <a:off x="0" y="0"/>
-          <a:ext cx="0" cy="0"/>
-          <a:chOff x="0" y="0"/>
-          <a:chExt cx="0" cy="0"/>
-        </a:xfrm>
-      </p:grpSpPr>
-      <p:sp>
-        <p:nvSpPr>
-          <p:cNvPr id="2" name="Title 1">
-            <a:extLst>
-              <a:ext uri="{FF2B5EF4-FFF2-40B4-BE49-F238E27FC236}">
-                <a16:creationId xmlns:a16="http://schemas.microsoft.com/office/drawing/2014/main" id="{CCC8EEFF-6788-B8E1-F8C5-1703F8FDCD37}"/>
-              </a:ext>
-            </a:extLst>
-          </p:cNvPr>
-          <p:cNvSpPr>
-            <a:spLocks noGrp="1"/>
-          </p:cNvSpPr>
-          <p:nvPr>
-            <p:ph type="title"/>
-          </p:nvPr>
-        </p:nvSpPr>
-        <p:spPr/>
-        <p:txBody>
-          <a:bodyPr/>
-          <a:lstStyle/>
-          <a:p>
-            <a:r>
-              <a:rPr lang="en-US" dirty="0"/>
-              <a:t>Extras</a:t>
-            </a:r>
-            <a:endParaRPr lang="es-EC" dirty="0"/>
-          </a:p>
-        </p:txBody>
-      </p:sp>
-      <p:sp>
-        <p:nvSpPr>
-          <p:cNvPr id="3" name="Content Placeholder 2">
-            <a:extLst>
-              <a:ext uri="{FF2B5EF4-FFF2-40B4-BE49-F238E27FC236}">
-                <a16:creationId xmlns:a16="http://schemas.microsoft.com/office/drawing/2014/main" id="{C4718E52-750B-77CA-2268-C1952A4D71F6}"/>
-              </a:ext>
-            </a:extLst>
-          </p:cNvPr>
-          <p:cNvSpPr>
-            <a:spLocks noGrp="1"/>
-          </p:cNvSpPr>
-          <p:nvPr>
-            <p:ph idx="1"/>
-          </p:nvPr>
-        </p:nvSpPr>
-        <p:spPr/>
-        <p:txBody>
-          <a:bodyPr>
-            <a:normAutofit fontScale="92500" lnSpcReduction="10000"/>
-          </a:bodyPr>
-          <a:lstStyle/>
-          <a:p>
-            <a:r>
-              <a:rPr lang="es-EC" dirty="0"/>
-              <a:t>Renderizado condicional y dinámico.</a:t>
-            </a:r>
-          </a:p>
-          <a:p>
-            <a:r>
-              <a:rPr lang="es-EC" dirty="0"/>
-              <a:t>Añadir un prop “</a:t>
-            </a:r>
-            <a:r>
-              <a:rPr lang="es-EC" dirty="0" err="1"/>
-              <a:t>verified</a:t>
-            </a:r>
-            <a:r>
-              <a:rPr lang="es-EC" dirty="0"/>
-              <a:t>” para indicar cuando un usuario ha sido verificado. En caso de serlo mostrar una imagen de “</a:t>
-            </a:r>
-            <a:r>
-              <a:rPr lang="es-EC" dirty="0" err="1"/>
-              <a:t>Check</a:t>
-            </a:r>
-            <a:r>
-              <a:rPr lang="es-EC" dirty="0"/>
-              <a:t>” o un texto.</a:t>
-            </a:r>
-          </a:p>
-          <a:p>
-            <a:pPr marL="0" indent="0">
-              <a:buNone/>
-            </a:pPr>
-            <a:endParaRPr lang="es-EC" dirty="0"/>
-          </a:p>
-          <a:p>
-            <a:pPr marL="0" indent="0">
-              <a:buNone/>
-            </a:pPr>
-            <a:endParaRPr lang="es-EC" dirty="0"/>
-          </a:p>
-          <a:p>
-            <a:pPr marL="0" indent="0">
-              <a:buNone/>
-            </a:pPr>
-            <a:endParaRPr lang="es-EC" dirty="0"/>
-          </a:p>
-          <a:p>
-            <a:pPr marL="0" indent="0">
-              <a:buNone/>
-            </a:pPr>
-            <a:endParaRPr lang="es-EC" dirty="0"/>
-          </a:p>
-          <a:p>
-            <a:pPr marL="0" indent="0">
-              <a:buNone/>
-            </a:pPr>
-            <a:endParaRPr lang="es-EC" dirty="0"/>
-          </a:p>
-          <a:p>
-            <a:pPr marL="0" indent="0">
-              <a:buNone/>
-            </a:pPr>
-            <a:endParaRPr lang="es-EC" dirty="0"/>
-          </a:p>
-          <a:p>
-            <a:pPr marL="0" indent="0">
-              <a:buNone/>
-            </a:pPr>
-            <a:r>
-              <a:rPr lang="es-EC" dirty="0"/>
-              <a:t>Documentación: </a:t>
-            </a:r>
-            <a:r>
-              <a:rPr lang="es-EC" dirty="0">
-                <a:hlinkClick r:id="rId2"/>
-              </a:rPr>
-              <a:t>https://react.dev/learn/conditional-rendering</a:t>
-            </a:r>
-            <a:endParaRPr lang="es-EC" dirty="0"/>
-          </a:p>
-          <a:p>
-            <a:pPr marL="0" indent="0">
-              <a:buNone/>
-            </a:pPr>
-            <a:endParaRPr lang="es-EC" dirty="0"/>
-          </a:p>
-          <a:p>
-            <a:endParaRPr lang="es-EC" dirty="0"/>
-          </a:p>
-        </p:txBody>
-      </p:sp>
-    </p:spTree>
-    <p:extLst>
-      <p:ext uri="{BB962C8B-B14F-4D97-AF65-F5344CB8AC3E}">
-        <p14:creationId xmlns:p14="http://schemas.microsoft.com/office/powerpoint/2010/main" val="2574821726"/>
       </p:ext>
     </p:extLst>
   </p:cSld>
@@ -4966,7 +4040,7 @@
             <a:pPr algn="ctr"/>
             <a:r>
               <a:rPr lang="es-EC" dirty="0"/>
-              <a:t>¿Qué es?</a:t>
+              <a:t>¿Qué es Routing?</a:t>
             </a:r>
           </a:p>
         </p:txBody>
@@ -4994,16 +4068,13 @@
           <a:p>
             <a:r>
               <a:rPr lang="es-EC" dirty="0"/>
-              <a:t>Una librería para crear </a:t>
+              <a:t>Es la manera en la que el usuario puede visitar diferentes secciones de una aplicación a través de </a:t>
             </a:r>
             <a:r>
               <a:rPr lang="es-EC" dirty="0" err="1"/>
-              <a:t>UIs</a:t>
-            </a:r>
-            <a:r>
-              <a:rPr lang="es-EC" dirty="0"/>
-              <a:t> nativas y web.</a:t>
-            </a:r>
+              <a:t>URLs</a:t>
+            </a:r>
+            <a:endParaRPr lang="es-EC" dirty="0"/>
           </a:p>
         </p:txBody>
       </p:sp>
@@ -5042,7 +4113,7 @@
           <p:cNvPr id="2" name="Title 1">
             <a:extLst>
               <a:ext uri="{FF2B5EF4-FFF2-40B4-BE49-F238E27FC236}">
-                <a16:creationId xmlns:a16="http://schemas.microsoft.com/office/drawing/2014/main" id="{E11580D9-0299-FCB7-5E55-2FF0B06D897C}"/>
+                <a16:creationId xmlns:a16="http://schemas.microsoft.com/office/drawing/2014/main" id="{FD992391-B6F9-0CB1-450F-F9A713264453}"/>
               </a:ext>
             </a:extLst>
           </p:cNvPr>
@@ -5058,10 +4129,74 @@
           <a:bodyPr/>
           <a:lstStyle/>
           <a:p>
-            <a:pPr algn="ctr"/>
-            <a:r>
-              <a:rPr lang="es-EC" dirty="0"/>
-              <a:t>¿Por qué escogerlo?</a:t>
+            <a:r>
+              <a:rPr lang="en-US" dirty="0"/>
+              <a:t>URL (Uniform Resource Locator) </a:t>
+            </a:r>
+            <a:endParaRPr lang="es-EC" dirty="0"/>
+          </a:p>
+        </p:txBody>
+      </p:sp>
+      <p:sp>
+        <p:nvSpPr>
+          <p:cNvPr id="3" name="Content Placeholder 2">
+            <a:extLst>
+              <a:ext uri="{FF2B5EF4-FFF2-40B4-BE49-F238E27FC236}">
+                <a16:creationId xmlns:a16="http://schemas.microsoft.com/office/drawing/2014/main" id="{D7CCC58C-8140-6E6B-4464-5F3C8FACE289}"/>
+              </a:ext>
+            </a:extLst>
+          </p:cNvPr>
+          <p:cNvSpPr>
+            <a:spLocks noGrp="1"/>
+          </p:cNvSpPr>
+          <p:nvPr>
+            <p:ph idx="1"/>
+          </p:nvPr>
+        </p:nvSpPr>
+        <p:spPr/>
+        <p:txBody>
+          <a:bodyPr/>
+          <a:lstStyle/>
+          <a:p>
+            <a:r>
+              <a:rPr lang="en-US" dirty="0" err="1"/>
+              <a:t>Estáticas</a:t>
+            </a:r>
+            <a:endParaRPr lang="en-US" dirty="0"/>
+          </a:p>
+          <a:p>
+            <a:pPr lvl="1"/>
+            <a:r>
+              <a:rPr lang="en-US" dirty="0"/>
+              <a:t>/user/settings</a:t>
+            </a:r>
+          </a:p>
+          <a:p>
+            <a:pPr lvl="1"/>
+            <a:r>
+              <a:rPr lang="en-US" dirty="0"/>
+              <a:t>/events</a:t>
+            </a:r>
+          </a:p>
+          <a:p>
+            <a:r>
+              <a:rPr lang="en-US" dirty="0" err="1"/>
+              <a:t>Dinámicas</a:t>
+            </a:r>
+            <a:endParaRPr lang="en-US" dirty="0"/>
+          </a:p>
+          <a:p>
+            <a:pPr lvl="1"/>
+            <a:r>
+              <a:rPr lang="en-US" dirty="0"/>
+              <a:t>/event/view/:id</a:t>
+            </a:r>
+          </a:p>
+          <a:p>
+            <a:pPr lvl="1"/>
+            <a:r>
+              <a:rPr lang="en-US" dirty="0"/>
+              <a:t>/event/form/:id?</a:t>
             </a:r>
           </a:p>
         </p:txBody>
@@ -5069,7 +4204,7 @@
     </p:spTree>
     <p:extLst>
       <p:ext uri="{BB962C8B-B14F-4D97-AF65-F5344CB8AC3E}">
-        <p14:creationId xmlns:p14="http://schemas.microsoft.com/office/powerpoint/2010/main" val="2585933797"/>
+        <p14:creationId xmlns:p14="http://schemas.microsoft.com/office/powerpoint/2010/main" val="758845486"/>
       </p:ext>
     </p:extLst>
   </p:cSld>
@@ -5082,14 +4217,6 @@
 <file path=ppt/slides/slide4.xml><?xml version="1.0" encoding="utf-8"?>
 <p:sld xmlns:a="http://schemas.openxmlformats.org/drawingml/2006/main" xmlns:r="http://schemas.openxmlformats.org/officeDocument/2006/relationships" xmlns:p="http://schemas.openxmlformats.org/presentationml/2006/main">
   <p:cSld>
-    <p:bg>
-      <p:bgPr>
-        <a:solidFill>
-          <a:schemeClr val="bg1"/>
-        </a:solidFill>
-        <a:effectLst/>
-      </p:bgPr>
-    </p:bg>
     <p:spTree>
       <p:nvGrpSpPr>
         <p:cNvPr id="1" name=""/>
@@ -5104,12 +4231,41 @@
           <a:chExt cx="0" cy="0"/>
         </a:xfrm>
       </p:grpSpPr>
+      <p:sp>
+        <p:nvSpPr>
+          <p:cNvPr id="2" name="Title 1">
+            <a:extLst>
+              <a:ext uri="{FF2B5EF4-FFF2-40B4-BE49-F238E27FC236}">
+                <a16:creationId xmlns:a16="http://schemas.microsoft.com/office/drawing/2014/main" id="{6CF378A3-0D70-4CAD-53BA-CCDFFFCE4467}"/>
+              </a:ext>
+            </a:extLst>
+          </p:cNvPr>
+          <p:cNvSpPr>
+            <a:spLocks noGrp="1"/>
+          </p:cNvSpPr>
+          <p:nvPr>
+            <p:ph type="title"/>
+          </p:nvPr>
+        </p:nvSpPr>
+        <p:spPr/>
+        <p:txBody>
+          <a:bodyPr/>
+          <a:lstStyle/>
+          <a:p>
+            <a:r>
+              <a:rPr lang="en-US" dirty="0"/>
+              <a:t>React Router</a:t>
+            </a:r>
+            <a:endParaRPr lang="es-EC" dirty="0"/>
+          </a:p>
+        </p:txBody>
+      </p:sp>
       <p:pic>
         <p:nvPicPr>
-          <p:cNvPr id="1034" name="Picture 10" descr="React Live 2023">
-            <a:extLst>
-              <a:ext uri="{FF2B5EF4-FFF2-40B4-BE49-F238E27FC236}">
-                <a16:creationId xmlns:a16="http://schemas.microsoft.com/office/drawing/2014/main" id="{9BC5FC25-EAB2-0B2F-59D9-685148D69D90}"/>
+          <p:cNvPr id="1026" name="Picture 2" descr="React Router Step By Step Tutorial">
+            <a:extLst>
+              <a:ext uri="{FF2B5EF4-FFF2-40B4-BE49-F238E27FC236}">
+                <a16:creationId xmlns:a16="http://schemas.microsoft.com/office/drawing/2014/main" id="{EF643D51-0ECD-C96E-4A9C-55400B6A17D9}"/>
               </a:ext>
             </a:extLst>
           </p:cNvPr>
@@ -5119,308 +4275,22 @@
           <p:nvPr/>
         </p:nvPicPr>
         <p:blipFill>
-          <a:blip r:embed="rId3">
+          <a:blip r:embed="rId2">
             <a:extLst>
               <a:ext uri="{28A0092B-C50C-407E-A947-70E740481C1C}">
                 <a14:useLocalDpi xmlns:a14="http://schemas.microsoft.com/office/drawing/2010/main" val="0"/>
               </a:ext>
             </a:extLst>
           </a:blip>
-          <a:srcRect r="-4" b="65"/>
-          <a:stretch/>
+          <a:srcRect/>
+          <a:stretch>
+            <a:fillRect/>
+          </a:stretch>
         </p:blipFill>
         <p:spPr bwMode="auto">
           <a:xfrm>
-            <a:off x="20" y="1"/>
-            <a:ext cx="6050258" cy="3400925"/>
-          </a:xfrm>
-          <a:custGeom>
-            <a:avLst/>
-            <a:gdLst/>
-            <a:ahLst/>
-            <a:cxnLst/>
-            <a:rect l="l" t="t" r="r" b="b"/>
-            <a:pathLst>
-              <a:path w="6050278" h="3400925">
-                <a:moveTo>
-                  <a:pt x="0" y="0"/>
-                </a:moveTo>
-                <a:lnTo>
-                  <a:pt x="6050278" y="0"/>
-                </a:lnTo>
-                <a:lnTo>
-                  <a:pt x="6050278" y="1827306"/>
-                </a:lnTo>
-                <a:lnTo>
-                  <a:pt x="3892296" y="1827306"/>
-                </a:lnTo>
-                <a:lnTo>
-                  <a:pt x="3892296" y="3400925"/>
-                </a:lnTo>
-                <a:lnTo>
-                  <a:pt x="0" y="3400925"/>
-                </a:lnTo>
-                <a:close/>
-              </a:path>
-            </a:pathLst>
-          </a:custGeom>
-          <a:noFill/>
-          <a:extLst>
-            <a:ext uri="{909E8E84-426E-40DD-AFC4-6F175D3DCCD1}">
-              <a14:hiddenFill xmlns:a14="http://schemas.microsoft.com/office/drawing/2010/main">
-                <a:solidFill>
-                  <a:srgbClr val="FFFFFF"/>
-                </a:solidFill>
-              </a14:hiddenFill>
-            </a:ext>
-          </a:extLst>
-        </p:spPr>
-      </p:pic>
-      <p:pic>
-        <p:nvPicPr>
-          <p:cNvPr id="1032" name="Picture 8" descr="San Francisco Meetup Recap · React Native">
-            <a:extLst>
-              <a:ext uri="{FF2B5EF4-FFF2-40B4-BE49-F238E27FC236}">
-                <a16:creationId xmlns:a16="http://schemas.microsoft.com/office/drawing/2014/main" id="{594B4A2F-9459-FCBC-AE9A-FD5AAA7041D1}"/>
-              </a:ext>
-            </a:extLst>
-          </p:cNvPr>
-          <p:cNvPicPr>
-            <a:picLocks noChangeAspect="1" noChangeArrowheads="1"/>
-          </p:cNvPicPr>
-          <p:nvPr/>
-        </p:nvPicPr>
-        <p:blipFill>
-          <a:blip r:embed="rId4">
-            <a:extLst>
-              <a:ext uri="{28A0092B-C50C-407E-A947-70E740481C1C}">
-                <a14:useLocalDpi xmlns:a14="http://schemas.microsoft.com/office/drawing/2010/main" val="0"/>
-              </a:ext>
-            </a:extLst>
-          </a:blip>
-          <a:srcRect l="6602" r="1" b="1"/>
-          <a:stretch/>
-        </p:blipFill>
-        <p:spPr bwMode="auto">
-          <a:xfrm>
-            <a:off x="6141722" y="1"/>
-            <a:ext cx="6050278" cy="3400925"/>
-          </a:xfrm>
-          <a:custGeom>
-            <a:avLst/>
-            <a:gdLst/>
-            <a:ahLst/>
-            <a:cxnLst/>
-            <a:rect l="l" t="t" r="r" b="b"/>
-            <a:pathLst>
-              <a:path w="6050278" h="3400925">
-                <a:moveTo>
-                  <a:pt x="0" y="0"/>
-                </a:moveTo>
-                <a:lnTo>
-                  <a:pt x="6050278" y="0"/>
-                </a:lnTo>
-                <a:lnTo>
-                  <a:pt x="6050278" y="3400925"/>
-                </a:lnTo>
-                <a:lnTo>
-                  <a:pt x="2157982" y="3400925"/>
-                </a:lnTo>
-                <a:lnTo>
-                  <a:pt x="2157982" y="1827306"/>
-                </a:lnTo>
-                <a:lnTo>
-                  <a:pt x="0" y="1827306"/>
-                </a:lnTo>
-                <a:close/>
-              </a:path>
-            </a:pathLst>
-          </a:custGeom>
-          <a:noFill/>
-          <a:extLst>
-            <a:ext uri="{909E8E84-426E-40DD-AFC4-6F175D3DCCD1}">
-              <a14:hiddenFill xmlns:a14="http://schemas.microsoft.com/office/drawing/2010/main">
-                <a:solidFill>
-                  <a:srgbClr val="FFFFFF"/>
-                </a:solidFill>
-              </a14:hiddenFill>
-            </a:ext>
-          </a:extLst>
-        </p:spPr>
-      </p:pic>
-      <p:pic>
-        <p:nvPicPr>
-          <p:cNvPr id="1036" name="Picture 12" descr="Here's what I learned at the world's biggest React conference">
-            <a:extLst>
-              <a:ext uri="{FF2B5EF4-FFF2-40B4-BE49-F238E27FC236}">
-                <a16:creationId xmlns:a16="http://schemas.microsoft.com/office/drawing/2014/main" id="{62EF3BE9-78E6-8041-ABE3-D4A9ADEF6DCB}"/>
-              </a:ext>
-            </a:extLst>
-          </p:cNvPr>
-          <p:cNvPicPr>
-            <a:picLocks noChangeAspect="1" noChangeArrowheads="1"/>
-          </p:cNvPicPr>
-          <p:nvPr/>
-        </p:nvPicPr>
-        <p:blipFill>
-          <a:blip r:embed="rId5">
-            <a:extLst>
-              <a:ext uri="{28A0092B-C50C-407E-A947-70E740481C1C}">
-                <a14:useLocalDpi xmlns:a14="http://schemas.microsoft.com/office/drawing/2010/main" val="0"/>
-              </a:ext>
-            </a:extLst>
-          </a:blip>
-          <a:srcRect t="16582" r="2" b="2"/>
-          <a:stretch/>
-        </p:blipFill>
-        <p:spPr bwMode="auto">
-          <a:xfrm>
-            <a:off x="20" y="3489159"/>
-            <a:ext cx="6050258" cy="3368841"/>
-          </a:xfrm>
-          <a:custGeom>
-            <a:avLst/>
-            <a:gdLst/>
-            <a:ahLst/>
-            <a:cxnLst/>
-            <a:rect l="l" t="t" r="r" b="b"/>
-            <a:pathLst>
-              <a:path w="6050278" h="3368841">
-                <a:moveTo>
-                  <a:pt x="0" y="0"/>
-                </a:moveTo>
-                <a:lnTo>
-                  <a:pt x="3892296" y="0"/>
-                </a:lnTo>
-                <a:lnTo>
-                  <a:pt x="3892296" y="1541535"/>
-                </a:lnTo>
-                <a:lnTo>
-                  <a:pt x="6050278" y="1541535"/>
-                </a:lnTo>
-                <a:lnTo>
-                  <a:pt x="6050278" y="3368841"/>
-                </a:lnTo>
-                <a:lnTo>
-                  <a:pt x="0" y="3368841"/>
-                </a:lnTo>
-                <a:close/>
-              </a:path>
-            </a:pathLst>
-          </a:custGeom>
-          <a:noFill/>
-          <a:extLst>
-            <a:ext uri="{909E8E84-426E-40DD-AFC4-6F175D3DCCD1}">
-              <a14:hiddenFill xmlns:a14="http://schemas.microsoft.com/office/drawing/2010/main">
-                <a:solidFill>
-                  <a:srgbClr val="FFFFFF"/>
-                </a:solidFill>
-              </a14:hiddenFill>
-            </a:ext>
-          </a:extLst>
-        </p:spPr>
-      </p:pic>
-      <p:pic>
-        <p:nvPicPr>
-          <p:cNvPr id="1030" name="Picture 6" descr="React JS Melbourne - February Meetup — Kogan.com Dev Blog">
-            <a:extLst>
-              <a:ext uri="{FF2B5EF4-FFF2-40B4-BE49-F238E27FC236}">
-                <a16:creationId xmlns:a16="http://schemas.microsoft.com/office/drawing/2014/main" id="{2D066004-6A9F-92C1-754F-9F5A7986CA02}"/>
-              </a:ext>
-            </a:extLst>
-          </p:cNvPr>
-          <p:cNvPicPr>
-            <a:picLocks noChangeAspect="1" noChangeArrowheads="1"/>
-          </p:cNvPicPr>
-          <p:nvPr/>
-        </p:nvPicPr>
-        <p:blipFill>
-          <a:blip r:embed="rId6">
-            <a:extLst>
-              <a:ext uri="{28A0092B-C50C-407E-A947-70E740481C1C}">
-                <a14:useLocalDpi xmlns:a14="http://schemas.microsoft.com/office/drawing/2010/main" val="0"/>
-              </a:ext>
-            </a:extLst>
-          </a:blip>
-          <a:srcRect t="20171" r="2" b="2"/>
-          <a:stretch/>
-        </p:blipFill>
-        <p:spPr bwMode="auto">
-          <a:xfrm>
-            <a:off x="6141722" y="3489159"/>
-            <a:ext cx="6050278" cy="3368841"/>
-          </a:xfrm>
-          <a:custGeom>
-            <a:avLst/>
-            <a:gdLst/>
-            <a:ahLst/>
-            <a:cxnLst/>
-            <a:rect l="l" t="t" r="r" b="b"/>
-            <a:pathLst>
-              <a:path w="6050278" h="3368841">
-                <a:moveTo>
-                  <a:pt x="2157982" y="0"/>
-                </a:moveTo>
-                <a:lnTo>
-                  <a:pt x="6050278" y="0"/>
-                </a:lnTo>
-                <a:lnTo>
-                  <a:pt x="6050278" y="3368841"/>
-                </a:lnTo>
-                <a:lnTo>
-                  <a:pt x="0" y="3368841"/>
-                </a:lnTo>
-                <a:lnTo>
-                  <a:pt x="0" y="1541535"/>
-                </a:lnTo>
-                <a:lnTo>
-                  <a:pt x="2157982" y="1541535"/>
-                </a:lnTo>
-                <a:close/>
-              </a:path>
-            </a:pathLst>
-          </a:custGeom>
-          <a:noFill/>
-          <a:extLst>
-            <a:ext uri="{909E8E84-426E-40DD-AFC4-6F175D3DCCD1}">
-              <a14:hiddenFill xmlns:a14="http://schemas.microsoft.com/office/drawing/2010/main">
-                <a:solidFill>
-                  <a:srgbClr val="FFFFFF"/>
-                </a:solidFill>
-              </a14:hiddenFill>
-            </a:ext>
-          </a:extLst>
-        </p:spPr>
-      </p:pic>
-      <p:pic>
-        <p:nvPicPr>
-          <p:cNvPr id="1038" name="Picture 14" descr="We'll be giving out Open Source Awards at this year's React Amsterdam 🏆 |  by React Summit | Medium">
-            <a:extLst>
-              <a:ext uri="{FF2B5EF4-FFF2-40B4-BE49-F238E27FC236}">
-                <a16:creationId xmlns:a16="http://schemas.microsoft.com/office/drawing/2014/main" id="{E48AE5E9-A36E-8B21-A7CA-40B0B66E132A}"/>
-              </a:ext>
-            </a:extLst>
-          </p:cNvPr>
-          <p:cNvPicPr>
-            <a:picLocks noChangeAspect="1" noChangeArrowheads="1"/>
-          </p:cNvPicPr>
-          <p:nvPr/>
-        </p:nvPicPr>
-        <p:blipFill>
-          <a:blip r:embed="rId7">
-            <a:extLst>
-              <a:ext uri="{28A0092B-C50C-407E-A947-70E740481C1C}">
-                <a14:useLocalDpi xmlns:a14="http://schemas.microsoft.com/office/drawing/2010/main" val="0"/>
-              </a:ext>
-            </a:extLst>
-          </a:blip>
-          <a:srcRect l="6649" r="4" b="4"/>
-          <a:stretch/>
-        </p:blipFill>
-        <p:spPr bwMode="auto">
-          <a:xfrm>
-            <a:off x="3983736" y="1918638"/>
-            <a:ext cx="4224528" cy="3020725"/>
+            <a:off x="2854675" y="1690688"/>
+            <a:ext cx="6482650" cy="4420601"/>
           </a:xfrm>
           <a:prstGeom prst="rect">
             <a:avLst/>
@@ -5440,7 +4310,7 @@
     </p:spTree>
     <p:extLst>
       <p:ext uri="{BB962C8B-B14F-4D97-AF65-F5344CB8AC3E}">
-        <p14:creationId xmlns:p14="http://schemas.microsoft.com/office/powerpoint/2010/main" val="3346774127"/>
+        <p14:creationId xmlns:p14="http://schemas.microsoft.com/office/powerpoint/2010/main" val="2425067221"/>
       </p:ext>
     </p:extLst>
   </p:cSld>
@@ -5451,511 +4321,6 @@
 </file>
 
 <file path=ppt/slides/slide5.xml><?xml version="1.0" encoding="utf-8"?>
-<p:sld xmlns:a="http://schemas.openxmlformats.org/drawingml/2006/main" xmlns:r="http://schemas.openxmlformats.org/officeDocument/2006/relationships" xmlns:p="http://schemas.openxmlformats.org/presentationml/2006/main">
-  <p:cSld>
-    <p:bg>
-      <p:bgPr>
-        <a:solidFill>
-          <a:schemeClr val="bg1"/>
-        </a:solidFill>
-        <a:effectLst/>
-      </p:bgPr>
-    </p:bg>
-    <p:spTree>
-      <p:nvGrpSpPr>
-        <p:cNvPr id="1" name=""/>
-        <p:cNvGrpSpPr/>
-        <p:nvPr/>
-      </p:nvGrpSpPr>
-      <p:grpSpPr>
-        <a:xfrm>
-          <a:off x="0" y="0"/>
-          <a:ext cx="0" cy="0"/>
-          <a:chOff x="0" y="0"/>
-          <a:chExt cx="0" cy="0"/>
-        </a:xfrm>
-      </p:grpSpPr>
-      <p:sp>
-        <p:nvSpPr>
-          <p:cNvPr id="8" name="Rectangle 7">
-            <a:extLst>
-              <a:ext uri="{FF2B5EF4-FFF2-40B4-BE49-F238E27FC236}">
-                <a16:creationId xmlns:a16="http://schemas.microsoft.com/office/drawing/2014/main" id="{42A4FC2C-047E-45A5-965D-8E1E3BF09BC6}"/>
-              </a:ext>
-              <a:ext uri="{C183D7F6-B498-43B3-948B-1728B52AA6E4}">
-                <adec:decorative xmlns:adec="http://schemas.microsoft.com/office/drawing/2017/decorative" val="1"/>
-              </a:ext>
-            </a:extLst>
-          </p:cNvPr>
-          <p:cNvSpPr>
-            <a:spLocks noGrp="1" noRot="1" noChangeAspect="1" noMove="1" noResize="1" noEditPoints="1" noAdjustHandles="1" noChangeArrowheads="1" noChangeShapeType="1" noTextEdit="1"/>
-          </p:cNvSpPr>
-          <p:nvPr>
-            <p:extLst>
-              <p:ext uri="{386F3935-93C4-4BCD-93E2-E3B085C9AB24}">
-                <p16:designElem xmlns:p16="http://schemas.microsoft.com/office/powerpoint/2015/main" val="1"/>
-              </p:ext>
-            </p:extLst>
-          </p:nvPr>
-        </p:nvSpPr>
-        <p:spPr bwMode="white">
-          <a:xfrm>
-            <a:off x="1524" y="0"/>
-            <a:ext cx="12188952" cy="6858000"/>
-          </a:xfrm>
-          <a:prstGeom prst="rect">
-            <a:avLst/>
-          </a:prstGeom>
-          <a:noFill/>
-          <a:ln>
-            <a:noFill/>
-          </a:ln>
-        </p:spPr>
-        <p:style>
-          <a:lnRef idx="2">
-            <a:schemeClr val="accent1">
-              <a:shade val="50000"/>
-            </a:schemeClr>
-          </a:lnRef>
-          <a:fillRef idx="1">
-            <a:schemeClr val="accent1"/>
-          </a:fillRef>
-          <a:effectRef idx="0">
-            <a:schemeClr val="accent1"/>
-          </a:effectRef>
-          <a:fontRef idx="minor">
-            <a:schemeClr val="lt1"/>
-          </a:fontRef>
-        </p:style>
-        <p:txBody>
-          <a:bodyPr rtlCol="0" anchor="ctr"/>
-          <a:lstStyle>
-            <a:defPPr>
-              <a:defRPr lang="en-US"/>
-            </a:defPPr>
-            <a:lvl1pPr marL="0" algn="l" defTabSz="914400" rtl="0" eaLnBrk="1" latinLnBrk="0" hangingPunct="1">
-              <a:defRPr sz="1800" kern="1200">
-                <a:solidFill>
-                  <a:schemeClr val="lt1"/>
-                </a:solidFill>
-                <a:latin typeface="+mn-lt"/>
-                <a:ea typeface="+mn-ea"/>
-                <a:cs typeface="+mn-cs"/>
-              </a:defRPr>
-            </a:lvl1pPr>
-            <a:lvl2pPr marL="457200" algn="l" defTabSz="914400" rtl="0" eaLnBrk="1" latinLnBrk="0" hangingPunct="1">
-              <a:defRPr sz="1800" kern="1200">
-                <a:solidFill>
-                  <a:schemeClr val="lt1"/>
-                </a:solidFill>
-                <a:latin typeface="+mn-lt"/>
-                <a:ea typeface="+mn-ea"/>
-                <a:cs typeface="+mn-cs"/>
-              </a:defRPr>
-            </a:lvl2pPr>
-            <a:lvl3pPr marL="914400" algn="l" defTabSz="914400" rtl="0" eaLnBrk="1" latinLnBrk="0" hangingPunct="1">
-              <a:defRPr sz="1800" kern="1200">
-                <a:solidFill>
-                  <a:schemeClr val="lt1"/>
-                </a:solidFill>
-                <a:latin typeface="+mn-lt"/>
-                <a:ea typeface="+mn-ea"/>
-                <a:cs typeface="+mn-cs"/>
-              </a:defRPr>
-            </a:lvl3pPr>
-            <a:lvl4pPr marL="1371600" algn="l" defTabSz="914400" rtl="0" eaLnBrk="1" latinLnBrk="0" hangingPunct="1">
-              <a:defRPr sz="1800" kern="1200">
-                <a:solidFill>
-                  <a:schemeClr val="lt1"/>
-                </a:solidFill>
-                <a:latin typeface="+mn-lt"/>
-                <a:ea typeface="+mn-ea"/>
-                <a:cs typeface="+mn-cs"/>
-              </a:defRPr>
-            </a:lvl4pPr>
-            <a:lvl5pPr marL="1828800" algn="l" defTabSz="914400" rtl="0" eaLnBrk="1" latinLnBrk="0" hangingPunct="1">
-              <a:defRPr sz="1800" kern="1200">
-                <a:solidFill>
-                  <a:schemeClr val="lt1"/>
-                </a:solidFill>
-                <a:latin typeface="+mn-lt"/>
-                <a:ea typeface="+mn-ea"/>
-                <a:cs typeface="+mn-cs"/>
-              </a:defRPr>
-            </a:lvl5pPr>
-            <a:lvl6pPr marL="2286000" algn="l" defTabSz="914400" rtl="0" eaLnBrk="1" latinLnBrk="0" hangingPunct="1">
-              <a:defRPr sz="1800" kern="1200">
-                <a:solidFill>
-                  <a:schemeClr val="lt1"/>
-                </a:solidFill>
-                <a:latin typeface="+mn-lt"/>
-                <a:ea typeface="+mn-ea"/>
-                <a:cs typeface="+mn-cs"/>
-              </a:defRPr>
-            </a:lvl6pPr>
-            <a:lvl7pPr marL="2743200" algn="l" defTabSz="914400" rtl="0" eaLnBrk="1" latinLnBrk="0" hangingPunct="1">
-              <a:defRPr sz="1800" kern="1200">
-                <a:solidFill>
-                  <a:schemeClr val="lt1"/>
-                </a:solidFill>
-                <a:latin typeface="+mn-lt"/>
-                <a:ea typeface="+mn-ea"/>
-                <a:cs typeface="+mn-cs"/>
-              </a:defRPr>
-            </a:lvl7pPr>
-            <a:lvl8pPr marL="3200400" algn="l" defTabSz="914400" rtl="0" eaLnBrk="1" latinLnBrk="0" hangingPunct="1">
-              <a:defRPr sz="1800" kern="1200">
-                <a:solidFill>
-                  <a:schemeClr val="lt1"/>
-                </a:solidFill>
-                <a:latin typeface="+mn-lt"/>
-                <a:ea typeface="+mn-ea"/>
-                <a:cs typeface="+mn-cs"/>
-              </a:defRPr>
-            </a:lvl8pPr>
-            <a:lvl9pPr marL="3657600" algn="l" defTabSz="914400" rtl="0" eaLnBrk="1" latinLnBrk="0" hangingPunct="1">
-              <a:defRPr sz="1800" kern="1200">
-                <a:solidFill>
-                  <a:schemeClr val="lt1"/>
-                </a:solidFill>
-                <a:latin typeface="+mn-lt"/>
-                <a:ea typeface="+mn-ea"/>
-                <a:cs typeface="+mn-cs"/>
-              </a:defRPr>
-            </a:lvl9pPr>
-          </a:lstStyle>
-          <a:p>
-            <a:pPr algn="ctr"/>
-            <a:endParaRPr lang="en-US"/>
-          </a:p>
-        </p:txBody>
-      </p:sp>
-      <p:pic>
-        <p:nvPicPr>
-          <p:cNvPr id="3" name="Picture 2" descr="A graph with different icons&#10;&#10;Description automatically generated with medium confidence">
-            <a:extLst>
-              <a:ext uri="{FF2B5EF4-FFF2-40B4-BE49-F238E27FC236}">
-                <a16:creationId xmlns:a16="http://schemas.microsoft.com/office/drawing/2014/main" id="{671DC78F-E0C2-A0DA-CAB4-A089AEE8AA02}"/>
-              </a:ext>
-            </a:extLst>
-          </p:cNvPr>
-          <p:cNvPicPr>
-            <a:picLocks noChangeAspect="1"/>
-          </p:cNvPicPr>
-          <p:nvPr/>
-        </p:nvPicPr>
-        <p:blipFill>
-          <a:blip r:embed="rId2"/>
-          <a:srcRect t="1765"/>
-          <a:stretch/>
-        </p:blipFill>
-        <p:spPr>
-          <a:xfrm>
-            <a:off x="20" y="1282"/>
-            <a:ext cx="12191980" cy="6856718"/>
-          </a:xfrm>
-          <a:prstGeom prst="rect">
-            <a:avLst/>
-          </a:prstGeom>
-        </p:spPr>
-      </p:pic>
-    </p:spTree>
-    <p:extLst>
-      <p:ext uri="{BB962C8B-B14F-4D97-AF65-F5344CB8AC3E}">
-        <p14:creationId xmlns:p14="http://schemas.microsoft.com/office/powerpoint/2010/main" val="2328724988"/>
-      </p:ext>
-    </p:extLst>
-  </p:cSld>
-  <p:clrMapOvr>
-    <a:masterClrMapping/>
-  </p:clrMapOvr>
-</p:sld>
-</file>
-
-<file path=ppt/slides/slide6.xml><?xml version="1.0" encoding="utf-8"?>
-<p:sld xmlns:a="http://schemas.openxmlformats.org/drawingml/2006/main" xmlns:r="http://schemas.openxmlformats.org/officeDocument/2006/relationships" xmlns:p="http://schemas.openxmlformats.org/presentationml/2006/main">
-  <p:cSld>
-    <p:bg>
-      <p:bgPr>
-        <a:solidFill>
-          <a:schemeClr val="bg1"/>
-        </a:solidFill>
-        <a:effectLst/>
-      </p:bgPr>
-    </p:bg>
-    <p:spTree>
-      <p:nvGrpSpPr>
-        <p:cNvPr id="1" name=""/>
-        <p:cNvGrpSpPr/>
-        <p:nvPr/>
-      </p:nvGrpSpPr>
-      <p:grpSpPr>
-        <a:xfrm>
-          <a:off x="0" y="0"/>
-          <a:ext cx="0" cy="0"/>
-          <a:chOff x="0" y="0"/>
-          <a:chExt cx="0" cy="0"/>
-        </a:xfrm>
-      </p:grpSpPr>
-      <p:sp>
-        <p:nvSpPr>
-          <p:cNvPr id="2061" name="Rectangle 2060">
-            <a:extLst>
-              <a:ext uri="{FF2B5EF4-FFF2-40B4-BE49-F238E27FC236}">
-                <a16:creationId xmlns:a16="http://schemas.microsoft.com/office/drawing/2014/main" id="{42A4FC2C-047E-45A5-965D-8E1E3BF09BC6}"/>
-              </a:ext>
-              <a:ext uri="{C183D7F6-B498-43B3-948B-1728B52AA6E4}">
-                <adec:decorative xmlns:adec="http://schemas.microsoft.com/office/drawing/2017/decorative" val="1"/>
-              </a:ext>
-            </a:extLst>
-          </p:cNvPr>
-          <p:cNvSpPr>
-            <a:spLocks noGrp="1" noRot="1" noChangeAspect="1" noMove="1" noResize="1" noEditPoints="1" noAdjustHandles="1" noChangeArrowheads="1" noChangeShapeType="1" noTextEdit="1"/>
-          </p:cNvSpPr>
-          <p:nvPr>
-            <p:extLst>
-              <p:ext uri="{386F3935-93C4-4BCD-93E2-E3B085C9AB24}">
-                <p16:designElem xmlns:p16="http://schemas.microsoft.com/office/powerpoint/2015/main" val="1"/>
-              </p:ext>
-            </p:extLst>
-          </p:nvPr>
-        </p:nvSpPr>
-        <p:spPr bwMode="white">
-          <a:xfrm>
-            <a:off x="1524" y="0"/>
-            <a:ext cx="12188952" cy="6858000"/>
-          </a:xfrm>
-          <a:prstGeom prst="rect">
-            <a:avLst/>
-          </a:prstGeom>
-          <a:noFill/>
-          <a:ln>
-            <a:noFill/>
-          </a:ln>
-        </p:spPr>
-        <p:style>
-          <a:lnRef idx="2">
-            <a:schemeClr val="accent1">
-              <a:shade val="50000"/>
-            </a:schemeClr>
-          </a:lnRef>
-          <a:fillRef idx="1">
-            <a:schemeClr val="accent1"/>
-          </a:fillRef>
-          <a:effectRef idx="0">
-            <a:schemeClr val="accent1"/>
-          </a:effectRef>
-          <a:fontRef idx="minor">
-            <a:schemeClr val="lt1"/>
-          </a:fontRef>
-        </p:style>
-        <p:txBody>
-          <a:bodyPr rtlCol="0" anchor="ctr"/>
-          <a:lstStyle>
-            <a:defPPr>
-              <a:defRPr lang="en-US"/>
-            </a:defPPr>
-            <a:lvl1pPr marL="0" algn="l" defTabSz="914400" rtl="0" eaLnBrk="1" latinLnBrk="0" hangingPunct="1">
-              <a:defRPr sz="1800" kern="1200">
-                <a:solidFill>
-                  <a:schemeClr val="lt1"/>
-                </a:solidFill>
-                <a:latin typeface="+mn-lt"/>
-                <a:ea typeface="+mn-ea"/>
-                <a:cs typeface="+mn-cs"/>
-              </a:defRPr>
-            </a:lvl1pPr>
-            <a:lvl2pPr marL="457200" algn="l" defTabSz="914400" rtl="0" eaLnBrk="1" latinLnBrk="0" hangingPunct="1">
-              <a:defRPr sz="1800" kern="1200">
-                <a:solidFill>
-                  <a:schemeClr val="lt1"/>
-                </a:solidFill>
-                <a:latin typeface="+mn-lt"/>
-                <a:ea typeface="+mn-ea"/>
-                <a:cs typeface="+mn-cs"/>
-              </a:defRPr>
-            </a:lvl2pPr>
-            <a:lvl3pPr marL="914400" algn="l" defTabSz="914400" rtl="0" eaLnBrk="1" latinLnBrk="0" hangingPunct="1">
-              <a:defRPr sz="1800" kern="1200">
-                <a:solidFill>
-                  <a:schemeClr val="lt1"/>
-                </a:solidFill>
-                <a:latin typeface="+mn-lt"/>
-                <a:ea typeface="+mn-ea"/>
-                <a:cs typeface="+mn-cs"/>
-              </a:defRPr>
-            </a:lvl3pPr>
-            <a:lvl4pPr marL="1371600" algn="l" defTabSz="914400" rtl="0" eaLnBrk="1" latinLnBrk="0" hangingPunct="1">
-              <a:defRPr sz="1800" kern="1200">
-                <a:solidFill>
-                  <a:schemeClr val="lt1"/>
-                </a:solidFill>
-                <a:latin typeface="+mn-lt"/>
-                <a:ea typeface="+mn-ea"/>
-                <a:cs typeface="+mn-cs"/>
-              </a:defRPr>
-            </a:lvl4pPr>
-            <a:lvl5pPr marL="1828800" algn="l" defTabSz="914400" rtl="0" eaLnBrk="1" latinLnBrk="0" hangingPunct="1">
-              <a:defRPr sz="1800" kern="1200">
-                <a:solidFill>
-                  <a:schemeClr val="lt1"/>
-                </a:solidFill>
-                <a:latin typeface="+mn-lt"/>
-                <a:ea typeface="+mn-ea"/>
-                <a:cs typeface="+mn-cs"/>
-              </a:defRPr>
-            </a:lvl5pPr>
-            <a:lvl6pPr marL="2286000" algn="l" defTabSz="914400" rtl="0" eaLnBrk="1" latinLnBrk="0" hangingPunct="1">
-              <a:defRPr sz="1800" kern="1200">
-                <a:solidFill>
-                  <a:schemeClr val="lt1"/>
-                </a:solidFill>
-                <a:latin typeface="+mn-lt"/>
-                <a:ea typeface="+mn-ea"/>
-                <a:cs typeface="+mn-cs"/>
-              </a:defRPr>
-            </a:lvl6pPr>
-            <a:lvl7pPr marL="2743200" algn="l" defTabSz="914400" rtl="0" eaLnBrk="1" latinLnBrk="0" hangingPunct="1">
-              <a:defRPr sz="1800" kern="1200">
-                <a:solidFill>
-                  <a:schemeClr val="lt1"/>
-                </a:solidFill>
-                <a:latin typeface="+mn-lt"/>
-                <a:ea typeface="+mn-ea"/>
-                <a:cs typeface="+mn-cs"/>
-              </a:defRPr>
-            </a:lvl7pPr>
-            <a:lvl8pPr marL="3200400" algn="l" defTabSz="914400" rtl="0" eaLnBrk="1" latinLnBrk="0" hangingPunct="1">
-              <a:defRPr sz="1800" kern="1200">
-                <a:solidFill>
-                  <a:schemeClr val="lt1"/>
-                </a:solidFill>
-                <a:latin typeface="+mn-lt"/>
-                <a:ea typeface="+mn-ea"/>
-                <a:cs typeface="+mn-cs"/>
-              </a:defRPr>
-            </a:lvl8pPr>
-            <a:lvl9pPr marL="3657600" algn="l" defTabSz="914400" rtl="0" eaLnBrk="1" latinLnBrk="0" hangingPunct="1">
-              <a:defRPr sz="1800" kern="1200">
-                <a:solidFill>
-                  <a:schemeClr val="lt1"/>
-                </a:solidFill>
-                <a:latin typeface="+mn-lt"/>
-                <a:ea typeface="+mn-ea"/>
-                <a:cs typeface="+mn-cs"/>
-              </a:defRPr>
-            </a:lvl9pPr>
-          </a:lstStyle>
-          <a:p>
-            <a:pPr algn="ctr"/>
-            <a:endParaRPr lang="en-US"/>
-          </a:p>
-        </p:txBody>
-      </p:sp>
-      <p:pic>
-        <p:nvPicPr>
-          <p:cNvPr id="2056" name="Picture 8" descr="A couple of people holding a whiteboard and a whiteboard&#10;&#10;Description automatically generated with medium confidence">
-            <a:extLst>
-              <a:ext uri="{FF2B5EF4-FFF2-40B4-BE49-F238E27FC236}">
-                <a16:creationId xmlns:a16="http://schemas.microsoft.com/office/drawing/2014/main" id="{628E22BE-E1D1-E581-1840-2A1F4CC9EF91}"/>
-              </a:ext>
-            </a:extLst>
-          </p:cNvPr>
-          <p:cNvPicPr>
-            <a:picLocks noChangeAspect="1" noChangeArrowheads="1"/>
-          </p:cNvPicPr>
-          <p:nvPr/>
-        </p:nvPicPr>
-        <p:blipFill>
-          <a:blip r:embed="rId2">
-            <a:extLst>
-              <a:ext uri="{28A0092B-C50C-407E-A947-70E740481C1C}">
-                <a14:useLocalDpi xmlns:a14="http://schemas.microsoft.com/office/drawing/2010/main" val="0"/>
-              </a:ext>
-            </a:extLst>
-          </a:blip>
-          <a:srcRect t="19"/>
-          <a:stretch/>
-        </p:blipFill>
-        <p:spPr bwMode="auto">
-          <a:xfrm>
-            <a:off x="20" y="1282"/>
-            <a:ext cx="12191980" cy="6856718"/>
-          </a:xfrm>
-          <a:prstGeom prst="rect">
-            <a:avLst/>
-          </a:prstGeom>
-          <a:noFill/>
-          <a:extLst>
-            <a:ext uri="{909E8E84-426E-40DD-AFC4-6F175D3DCCD1}">
-              <a14:hiddenFill xmlns:a14="http://schemas.microsoft.com/office/drawing/2010/main">
-                <a:solidFill>
-                  <a:srgbClr val="FFFFFF"/>
-                </a:solidFill>
-              </a14:hiddenFill>
-            </a:ext>
-          </a:extLst>
-        </p:spPr>
-      </p:pic>
-      <p:sp>
-        <p:nvSpPr>
-          <p:cNvPr id="2" name="AutoShape 2" descr="web and mobile app development">
-            <a:extLst>
-              <a:ext uri="{FF2B5EF4-FFF2-40B4-BE49-F238E27FC236}">
-                <a16:creationId xmlns:a16="http://schemas.microsoft.com/office/drawing/2014/main" id="{9B54D8C9-66CC-6C15-A386-9E388B45E212}"/>
-              </a:ext>
-            </a:extLst>
-          </p:cNvPr>
-          <p:cNvSpPr>
-            <a:spLocks noChangeAspect="1" noChangeArrowheads="1"/>
-          </p:cNvSpPr>
-          <p:nvPr/>
-        </p:nvSpPr>
-        <p:spPr bwMode="auto">
-          <a:xfrm>
-            <a:off x="5943600" y="3276600"/>
-            <a:ext cx="304800" cy="304800"/>
-          </a:xfrm>
-          <a:prstGeom prst="rect">
-            <a:avLst/>
-          </a:prstGeom>
-          <a:noFill/>
-          <a:extLst>
-            <a:ext uri="{909E8E84-426E-40DD-AFC4-6F175D3DCCD1}">
-              <a14:hiddenFill xmlns:a14="http://schemas.microsoft.com/office/drawing/2010/main">
-                <a:solidFill>
-                  <a:srgbClr val="FFFFFF"/>
-                </a:solidFill>
-              </a14:hiddenFill>
-            </a:ext>
-          </a:extLst>
-        </p:spPr>
-        <p:txBody>
-          <a:bodyPr vert="horz" wrap="square" lIns="91440" tIns="45720" rIns="91440" bIns="45720" numCol="1" anchor="t" anchorCtr="0" compatLnSpc="1">
-            <a:prstTxWarp prst="textNoShape">
-              <a:avLst/>
-            </a:prstTxWarp>
-          </a:bodyPr>
-          <a:lstStyle/>
-          <a:p>
-            <a:endParaRPr lang="es-EC"/>
-          </a:p>
-        </p:txBody>
-      </p:sp>
-    </p:spTree>
-    <p:extLst>
-      <p:ext uri="{BB962C8B-B14F-4D97-AF65-F5344CB8AC3E}">
-        <p14:creationId xmlns:p14="http://schemas.microsoft.com/office/powerpoint/2010/main" val="3683263700"/>
-      </p:ext>
-    </p:extLst>
-  </p:cSld>
-  <p:clrMapOvr>
-    <a:masterClrMapping/>
-  </p:clrMapOvr>
-</p:sld>
-</file>
-
-<file path=ppt/slides/slide7.xml><?xml version="1.0" encoding="utf-8"?>
 <p:sld xmlns:a="http://schemas.openxmlformats.org/drawingml/2006/main" xmlns:r="http://schemas.openxmlformats.org/officeDocument/2006/relationships" xmlns:p="http://schemas.openxmlformats.org/presentationml/2006/main">
   <p:cSld>
     <p:spTree>
@@ -5972,218 +4337,162 @@
           <a:chExt cx="0" cy="0"/>
         </a:xfrm>
       </p:grpSpPr>
-      <p:pic>
-        <p:nvPicPr>
-          <p:cNvPr id="11" name="Picture 10">
-            <a:extLst>
-              <a:ext uri="{FF2B5EF4-FFF2-40B4-BE49-F238E27FC236}">
-                <a16:creationId xmlns:a16="http://schemas.microsoft.com/office/drawing/2014/main" id="{C348BBD7-27EB-05B8-F063-72F3F9086E31}"/>
-              </a:ext>
-            </a:extLst>
-          </p:cNvPr>
-          <p:cNvPicPr>
-            <a:picLocks noChangeAspect="1"/>
-          </p:cNvPicPr>
-          <p:nvPr/>
-        </p:nvPicPr>
-        <p:blipFill>
-          <a:blip r:embed="rId2"/>
-          <a:stretch>
-            <a:fillRect/>
-          </a:stretch>
-        </p:blipFill>
-        <p:spPr>
-          <a:xfrm>
-            <a:off x="372537" y="-74"/>
-            <a:ext cx="5551715" cy="6835785"/>
-          </a:xfrm>
-          <a:prstGeom prst="rect">
-            <a:avLst/>
-          </a:prstGeom>
-        </p:spPr>
-      </p:pic>
-      <p:pic>
-        <p:nvPicPr>
-          <p:cNvPr id="13" name="Picture 12">
-            <a:extLst>
-              <a:ext uri="{FF2B5EF4-FFF2-40B4-BE49-F238E27FC236}">
-                <a16:creationId xmlns:a16="http://schemas.microsoft.com/office/drawing/2014/main" id="{D63D8C3E-E7E7-8B6E-F6C1-E352F34C90E1}"/>
-              </a:ext>
-            </a:extLst>
-          </p:cNvPr>
-          <p:cNvPicPr>
-            <a:picLocks noChangeAspect="1"/>
-          </p:cNvPicPr>
-          <p:nvPr/>
-        </p:nvPicPr>
-        <p:blipFill>
-          <a:blip r:embed="rId3"/>
-          <a:stretch>
-            <a:fillRect/>
-          </a:stretch>
-        </p:blipFill>
-        <p:spPr>
-          <a:xfrm>
-            <a:off x="6663356" y="0"/>
-            <a:ext cx="5156107" cy="6858000"/>
-          </a:xfrm>
-          <a:prstGeom prst="rect">
-            <a:avLst/>
-          </a:prstGeom>
-        </p:spPr>
-      </p:pic>
+      <p:sp>
+        <p:nvSpPr>
+          <p:cNvPr id="2" name="Title 1">
+            <a:extLst>
+              <a:ext uri="{FF2B5EF4-FFF2-40B4-BE49-F238E27FC236}">
+                <a16:creationId xmlns:a16="http://schemas.microsoft.com/office/drawing/2014/main" id="{B74B4DB5-C569-5EFB-D57E-164D3FA6B46B}"/>
+              </a:ext>
+            </a:extLst>
+          </p:cNvPr>
+          <p:cNvSpPr>
+            <a:spLocks noGrp="1"/>
+          </p:cNvSpPr>
+          <p:nvPr>
+            <p:ph type="title"/>
+          </p:nvPr>
+        </p:nvSpPr>
+        <p:spPr/>
+        <p:txBody>
+          <a:bodyPr/>
+          <a:lstStyle/>
+          <a:p>
+            <a:r>
+              <a:rPr lang="en-US" dirty="0" err="1"/>
+              <a:t>Configurando</a:t>
+            </a:r>
+            <a:r>
+              <a:rPr lang="en-US" dirty="0"/>
+              <a:t> </a:t>
+            </a:r>
+            <a:r>
+              <a:rPr lang="en-US" dirty="0" err="1"/>
+              <a:t>rutas</a:t>
+            </a:r>
+            <a:endParaRPr lang="es-EC" dirty="0"/>
+          </a:p>
+        </p:txBody>
+      </p:sp>
+      <p:sp>
+        <p:nvSpPr>
+          <p:cNvPr id="3" name="Content Placeholder 2">
+            <a:extLst>
+              <a:ext uri="{FF2B5EF4-FFF2-40B4-BE49-F238E27FC236}">
+                <a16:creationId xmlns:a16="http://schemas.microsoft.com/office/drawing/2014/main" id="{9BC08822-0A7E-3644-CFFD-41B59592C19A}"/>
+              </a:ext>
+            </a:extLst>
+          </p:cNvPr>
+          <p:cNvSpPr>
+            <a:spLocks noGrp="1"/>
+          </p:cNvSpPr>
+          <p:nvPr>
+            <p:ph idx="1"/>
+          </p:nvPr>
+        </p:nvSpPr>
+        <p:spPr/>
+        <p:txBody>
+          <a:bodyPr/>
+          <a:lstStyle/>
+          <a:p>
+            <a:pPr marL="514350" indent="-514350">
+              <a:buFont typeface="+mj-lt"/>
+              <a:buAutoNum type="arabicPeriod"/>
+            </a:pPr>
+            <a:r>
+              <a:rPr lang="en-US" dirty="0" err="1"/>
+              <a:t>Crear</a:t>
+            </a:r>
+            <a:r>
+              <a:rPr lang="en-US" dirty="0"/>
+              <a:t> </a:t>
+            </a:r>
+            <a:r>
+              <a:rPr lang="en-US" dirty="0" err="1"/>
+              <a:t>una</a:t>
+            </a:r>
+            <a:r>
+              <a:rPr lang="en-US" dirty="0"/>
+              <a:t> </a:t>
+            </a:r>
+            <a:r>
+              <a:rPr lang="en-US" dirty="0" err="1"/>
+              <a:t>nueva</a:t>
+            </a:r>
+            <a:r>
+              <a:rPr lang="en-US" dirty="0"/>
+              <a:t> vista </a:t>
+            </a:r>
+            <a:r>
+              <a:rPr lang="en-US" dirty="0" err="1"/>
+              <a:t>inicial</a:t>
+            </a:r>
+            <a:r>
+              <a:rPr lang="en-US" dirty="0"/>
+              <a:t> para “/”.</a:t>
+            </a:r>
+          </a:p>
+          <a:p>
+            <a:pPr marL="514350" indent="-514350">
+              <a:buFont typeface="+mj-lt"/>
+              <a:buAutoNum type="arabicPeriod"/>
+            </a:pPr>
+            <a:r>
+              <a:rPr lang="en-US" dirty="0" err="1"/>
+              <a:t>Crear</a:t>
+            </a:r>
+            <a:r>
+              <a:rPr lang="en-US" dirty="0"/>
+              <a:t> </a:t>
+            </a:r>
+            <a:r>
+              <a:rPr lang="en-US" dirty="0" err="1"/>
+              <a:t>una</a:t>
+            </a:r>
+            <a:r>
+              <a:rPr lang="en-US" dirty="0"/>
+              <a:t> </a:t>
+            </a:r>
+            <a:r>
+              <a:rPr lang="en-US" dirty="0" err="1"/>
+              <a:t>ruta</a:t>
+            </a:r>
+            <a:r>
+              <a:rPr lang="en-US" dirty="0"/>
+              <a:t> “/users” para </a:t>
+            </a:r>
+            <a:r>
+              <a:rPr lang="en-US" dirty="0" err="1"/>
+              <a:t>mostrar</a:t>
+            </a:r>
+            <a:r>
+              <a:rPr lang="en-US" dirty="0"/>
+              <a:t> </a:t>
+            </a:r>
+            <a:r>
+              <a:rPr lang="en-US" dirty="0" err="1"/>
+              <a:t>los</a:t>
+            </a:r>
+            <a:r>
+              <a:rPr lang="en-US" dirty="0"/>
+              <a:t> </a:t>
+            </a:r>
+            <a:r>
+              <a:rPr lang="en-US" dirty="0" err="1"/>
+              <a:t>usuarios</a:t>
+            </a:r>
+            <a:r>
+              <a:rPr lang="en-US" dirty="0"/>
+              <a:t>.</a:t>
+            </a:r>
+            <a:endParaRPr lang="es-EC" dirty="0"/>
+          </a:p>
+        </p:txBody>
+      </p:sp>
     </p:spTree>
     <p:extLst>
       <p:ext uri="{BB962C8B-B14F-4D97-AF65-F5344CB8AC3E}">
-        <p14:creationId xmlns:p14="http://schemas.microsoft.com/office/powerpoint/2010/main" val="2322019655"/>
-      </p:ext>
-    </p:extLst>
-  </p:cSld>
-  <p:clrMapOvr>
-    <a:masterClrMapping/>
-  </p:clrMapOvr>
-</p:sld>
-</file>
-
-<file path=ppt/slides/slide8.xml><?xml version="1.0" encoding="utf-8"?>
-<p:sld xmlns:a="http://schemas.openxmlformats.org/drawingml/2006/main" xmlns:r="http://schemas.openxmlformats.org/officeDocument/2006/relationships" xmlns:p="http://schemas.openxmlformats.org/presentationml/2006/main">
-  <p:cSld>
-    <p:spTree>
-      <p:nvGrpSpPr>
-        <p:cNvPr id="1" name=""/>
-        <p:cNvGrpSpPr/>
-        <p:nvPr/>
-      </p:nvGrpSpPr>
-      <p:grpSpPr>
-        <a:xfrm>
-          <a:off x="0" y="0"/>
-          <a:ext cx="0" cy="0"/>
-          <a:chOff x="0" y="0"/>
-          <a:chExt cx="0" cy="0"/>
-        </a:xfrm>
-      </p:grpSpPr>
-      <p:pic>
-        <p:nvPicPr>
-          <p:cNvPr id="3074" name="Picture 2" descr="Writing Semantic HTML - DEV Community">
-            <a:extLst>
-              <a:ext uri="{FF2B5EF4-FFF2-40B4-BE49-F238E27FC236}">
-                <a16:creationId xmlns:a16="http://schemas.microsoft.com/office/drawing/2014/main" id="{6CCD9D0A-7E56-7CDF-A9FA-BA7FB593DB01}"/>
-              </a:ext>
-            </a:extLst>
-          </p:cNvPr>
-          <p:cNvPicPr>
-            <a:picLocks noChangeAspect="1" noChangeArrowheads="1"/>
-          </p:cNvPicPr>
-          <p:nvPr/>
-        </p:nvPicPr>
-        <p:blipFill>
-          <a:blip r:embed="rId2">
-            <a:extLst>
-              <a:ext uri="{28A0092B-C50C-407E-A947-70E740481C1C}">
-                <a14:useLocalDpi xmlns:a14="http://schemas.microsoft.com/office/drawing/2010/main" val="0"/>
-              </a:ext>
-            </a:extLst>
-          </a:blip>
-          <a:srcRect/>
-          <a:stretch>
-            <a:fillRect/>
-          </a:stretch>
-        </p:blipFill>
-        <p:spPr bwMode="auto">
-          <a:xfrm>
-            <a:off x="2981325" y="0"/>
-            <a:ext cx="6227763" cy="6858000"/>
-          </a:xfrm>
-          <a:prstGeom prst="rect">
-            <a:avLst/>
-          </a:prstGeom>
-          <a:noFill/>
-          <a:extLst>
-            <a:ext uri="{909E8E84-426E-40DD-AFC4-6F175D3DCCD1}">
-              <a14:hiddenFill xmlns:a14="http://schemas.microsoft.com/office/drawing/2010/main">
-                <a:solidFill>
-                  <a:srgbClr val="FFFFFF"/>
-                </a:solidFill>
-              </a14:hiddenFill>
-            </a:ext>
-          </a:extLst>
-        </p:spPr>
-      </p:pic>
-    </p:spTree>
-    <p:extLst>
-      <p:ext uri="{BB962C8B-B14F-4D97-AF65-F5344CB8AC3E}">
-        <p14:creationId xmlns:p14="http://schemas.microsoft.com/office/powerpoint/2010/main" val="3182085201"/>
-      </p:ext>
-    </p:extLst>
-  </p:cSld>
-  <p:clrMapOvr>
-    <a:masterClrMapping/>
-  </p:clrMapOvr>
-</p:sld>
-</file>
-
-<file path=ppt/slides/slide9.xml><?xml version="1.0" encoding="utf-8"?>
-<p:sld xmlns:a="http://schemas.openxmlformats.org/drawingml/2006/main" xmlns:r="http://schemas.openxmlformats.org/officeDocument/2006/relationships" xmlns:p="http://schemas.openxmlformats.org/presentationml/2006/main">
-  <p:cSld>
-    <p:spTree>
-      <p:nvGrpSpPr>
-        <p:cNvPr id="1" name=""/>
-        <p:cNvGrpSpPr/>
-        <p:nvPr/>
-      </p:nvGrpSpPr>
-      <p:grpSpPr>
-        <a:xfrm>
-          <a:off x="0" y="0"/>
-          <a:ext cx="0" cy="0"/>
-          <a:chOff x="0" y="0"/>
-          <a:chExt cx="0" cy="0"/>
-        </a:xfrm>
-      </p:grpSpPr>
-      <p:sp>
-        <p:nvSpPr>
-          <p:cNvPr id="2" name="Title 1">
-            <a:extLst>
-              <a:ext uri="{FF2B5EF4-FFF2-40B4-BE49-F238E27FC236}">
-                <a16:creationId xmlns:a16="http://schemas.microsoft.com/office/drawing/2014/main" id="{CB9778FA-2D30-7EA4-3A6A-A815A425D106}"/>
-              </a:ext>
-            </a:extLst>
-          </p:cNvPr>
-          <p:cNvSpPr>
-            <a:spLocks noGrp="1"/>
-          </p:cNvSpPr>
-          <p:nvPr>
-            <p:ph type="title"/>
-          </p:nvPr>
-        </p:nvSpPr>
-        <p:spPr/>
-        <p:txBody>
-          <a:bodyPr/>
-          <a:lstStyle/>
-          <a:p>
-            <a:r>
-              <a:rPr lang="en-US" dirty="0"/>
-              <a:t>Mi primer </a:t>
-            </a:r>
-            <a:r>
-              <a:rPr lang="en-US" dirty="0" err="1"/>
-              <a:t>proyecto</a:t>
-            </a:r>
-            <a:r>
-              <a:rPr lang="en-US" dirty="0"/>
-              <a:t> </a:t>
-            </a:r>
-            <a:r>
-              <a:rPr lang="en-US" dirty="0" err="1"/>
-              <a:t>ReactJs</a:t>
-            </a:r>
-            <a:endParaRPr lang="es-EC" dirty="0"/>
-          </a:p>
-        </p:txBody>
-      </p:sp>
-    </p:spTree>
-    <p:extLst>
-      <p:ext uri="{BB962C8B-B14F-4D97-AF65-F5344CB8AC3E}">
-        <p14:creationId xmlns:p14="http://schemas.microsoft.com/office/powerpoint/2010/main" val="1997273396"/>
+        <p14:creationId xmlns:p14="http://schemas.microsoft.com/office/powerpoint/2010/main" val="1444773912"/>
       </p:ext>
     </p:extLst>
   </p:cSld>
@@ -6824,6 +5133,15 @@
 </file>
 
 <file path=customXml/item1.xml><?xml version="1.0" encoding="utf-8"?>
+<?mso-contentType ?>
+<FormTemplates xmlns="http://schemas.microsoft.com/sharepoint/v3/contenttype/forms">
+  <Display>DocumentLibraryForm</Display>
+  <Edit>DocumentLibraryForm</Edit>
+  <New>DocumentLibraryForm</New>
+</FormTemplates>
+</file>
+
+<file path=customXml/item2.xml><?xml version="1.0" encoding="utf-8"?>
 <ct:contentTypeSchema xmlns:ct="http://schemas.microsoft.com/office/2006/metadata/contentType" xmlns:ma="http://schemas.microsoft.com/office/2006/metadata/properties/metaAttributes" ct:_="" ma:_="" ma:contentTypeName="Documento" ma:contentTypeID="0x0101000ABC46EDA268834388609BD5B286F917" ma:contentTypeVersion="17" ma:contentTypeDescription="Crear nuevo documento." ma:contentTypeScope="" ma:versionID="b8ef759d716670bba47381dcbb7cab08">
   <xsd:schema xmlns:xsd="http://www.w3.org/2001/XMLSchema" xmlns:xs="http://www.w3.org/2001/XMLSchema" xmlns:p="http://schemas.microsoft.com/office/2006/metadata/properties" xmlns:ns3="98b3f1ad-107c-497c-bb15-64aaebc89f52" xmlns:ns4="a0690ee9-4047-4223-84b2-6b02f926f5d8" targetNamespace="http://schemas.microsoft.com/office/2006/metadata/properties" ma:root="true" ma:fieldsID="f0548e293e02a81e2d97140f47270d75" ns3:_="" ns4:_="">
     <xsd:import namespace="98b3f1ad-107c-497c-bb15-64aaebc89f52"/>
@@ -7070,15 +5388,6 @@
 </ct:contentTypeSchema>
 </file>
 
-<file path=customXml/item2.xml><?xml version="1.0" encoding="utf-8"?>
-<?mso-contentType ?>
-<FormTemplates xmlns="http://schemas.microsoft.com/sharepoint/v3/contenttype/forms">
-  <Display>DocumentLibraryForm</Display>
-  <Edit>DocumentLibraryForm</Edit>
-  <New>DocumentLibraryForm</New>
-</FormTemplates>
-</file>
-
 <file path=customXml/item3.xml><?xml version="1.0" encoding="utf-8"?>
 <p:properties xmlns:p="http://schemas.microsoft.com/office/2006/metadata/properties" xmlns:xsi="http://www.w3.org/2001/XMLSchema-instance" xmlns:pc="http://schemas.microsoft.com/office/infopath/2007/PartnerControls">
   <documentManagement>
@@ -7088,6 +5397,14 @@
 </file>
 
 <file path=customXml/itemProps1.xml><?xml version="1.0" encoding="utf-8"?>
+<ds:datastoreItem xmlns:ds="http://schemas.openxmlformats.org/officeDocument/2006/customXml" ds:itemID="{F5C501D5-0101-419A-AFBB-D8F04111C142}">
+  <ds:schemaRefs>
+    <ds:schemaRef ds:uri="http://schemas.microsoft.com/sharepoint/v3/contenttype/forms"/>
+  </ds:schemaRefs>
+</ds:datastoreItem>
+</file>
+
+<file path=customXml/itemProps2.xml><?xml version="1.0" encoding="utf-8"?>
 <ds:datastoreItem xmlns:ds="http://schemas.openxmlformats.org/officeDocument/2006/customXml" ds:itemID="{3FCEF456-3233-44D6-BC5A-12E8FD4D2764}">
   <ds:schemaRefs>
     <ds:schemaRef ds:uri="http://schemas.microsoft.com/office/2006/metadata/contentType"/>
@@ -7102,14 +5419,6 @@
     <ds:schemaRef ds:uri="http://purl.org/dc/elements/1.1/"/>
     <ds:schemaRef ds:uri="http://purl.org/dc/terms/"/>
     <ds:schemaRef ds:uri="http://schemas.microsoft.com/internal/obd"/>
-  </ds:schemaRefs>
-</ds:datastoreItem>
-</file>
-
-<file path=customXml/itemProps2.xml><?xml version="1.0" encoding="utf-8"?>
-<ds:datastoreItem xmlns:ds="http://schemas.openxmlformats.org/officeDocument/2006/customXml" ds:itemID="{F5C501D5-0101-419A-AFBB-D8F04111C142}">
-  <ds:schemaRefs>
-    <ds:schemaRef ds:uri="http://schemas.microsoft.com/sharepoint/v3/contenttype/forms"/>
   </ds:schemaRefs>
 </ds:datastoreItem>
 </file>

--- a/Unidad_3/Presentación.pptx
+++ b/Unidad_3/Presentación.pptx
@@ -5,7 +5,7 @@
     <p:sldMasterId id="2147483648" r:id="rId4"/>
   </p:sldMasterIdLst>
   <p:notesMasterIdLst>
-    <p:notesMasterId r:id="rId10"/>
+    <p:notesMasterId r:id="rId11"/>
   </p:notesMasterIdLst>
   <p:sldIdLst>
     <p:sldId id="256" r:id="rId5"/>
@@ -13,6 +13,7 @@
     <p:sldId id="273" r:id="rId7"/>
     <p:sldId id="274" r:id="rId8"/>
     <p:sldId id="275" r:id="rId9"/>
+    <p:sldId id="276" r:id="rId10"/>
   </p:sldIdLst>
   <p:sldSz cx="12192000" cy="6858000"/>
   <p:notesSz cx="6858000" cy="9144000"/>
@@ -212,7 +213,7 @@
           <a:p>
             <a:fld id="{F29DC657-A5B9-41B4-AB57-79E3DB3481E8}" type="datetimeFigureOut">
               <a:rPr lang="en-US" smtClean="0"/>
-              <a:t>9/16/2024</a:t>
+              <a:t>9/17/2024</a:t>
             </a:fld>
             <a:endParaRPr lang="en-US"/>
           </a:p>
@@ -794,7 +795,7 @@
           <a:p>
             <a:fld id="{E0B89D21-97A6-4434-B3B1-BAF5738D61F3}" type="datetimeFigureOut">
               <a:rPr lang="en-US" smtClean="0"/>
-              <a:t>9/16/2024</a:t>
+              <a:t>9/17/2024</a:t>
             </a:fld>
             <a:endParaRPr lang="en-US"/>
           </a:p>
@@ -992,7 +993,7 @@
           <a:p>
             <a:fld id="{E0B89D21-97A6-4434-B3B1-BAF5738D61F3}" type="datetimeFigureOut">
               <a:rPr lang="en-US" smtClean="0"/>
-              <a:t>9/16/2024</a:t>
+              <a:t>9/17/2024</a:t>
             </a:fld>
             <a:endParaRPr lang="en-US"/>
           </a:p>
@@ -1200,7 +1201,7 @@
           <a:p>
             <a:fld id="{E0B89D21-97A6-4434-B3B1-BAF5738D61F3}" type="datetimeFigureOut">
               <a:rPr lang="en-US" smtClean="0"/>
-              <a:t>9/16/2024</a:t>
+              <a:t>9/17/2024</a:t>
             </a:fld>
             <a:endParaRPr lang="en-US"/>
           </a:p>
@@ -1467,7 +1468,7 @@
           <a:p>
             <a:fld id="{E0B89D21-97A6-4434-B3B1-BAF5738D61F3}" type="datetimeFigureOut">
               <a:rPr lang="en-US" smtClean="0"/>
-              <a:t>9/16/2024</a:t>
+              <a:t>9/17/2024</a:t>
             </a:fld>
             <a:endParaRPr lang="en-US"/>
           </a:p>
@@ -1742,7 +1743,7 @@
           <a:p>
             <a:fld id="{E0B89D21-97A6-4434-B3B1-BAF5738D61F3}" type="datetimeFigureOut">
               <a:rPr lang="en-US" smtClean="0"/>
-              <a:t>9/16/2024</a:t>
+              <a:t>9/17/2024</a:t>
             </a:fld>
             <a:endParaRPr lang="en-US"/>
           </a:p>
@@ -2007,7 +2008,7 @@
           <a:p>
             <a:fld id="{E0B89D21-97A6-4434-B3B1-BAF5738D61F3}" type="datetimeFigureOut">
               <a:rPr lang="en-US" smtClean="0"/>
-              <a:t>9/16/2024</a:t>
+              <a:t>9/17/2024</a:t>
             </a:fld>
             <a:endParaRPr lang="en-US"/>
           </a:p>
@@ -2419,7 +2420,7 @@
           <a:p>
             <a:fld id="{E0B89D21-97A6-4434-B3B1-BAF5738D61F3}" type="datetimeFigureOut">
               <a:rPr lang="en-US" smtClean="0"/>
-              <a:t>9/16/2024</a:t>
+              <a:t>9/17/2024</a:t>
             </a:fld>
             <a:endParaRPr lang="en-US"/>
           </a:p>
@@ -2560,7 +2561,7 @@
           <a:p>
             <a:fld id="{E0B89D21-97A6-4434-B3B1-BAF5738D61F3}" type="datetimeFigureOut">
               <a:rPr lang="en-US" smtClean="0"/>
-              <a:t>9/16/2024</a:t>
+              <a:t>9/17/2024</a:t>
             </a:fld>
             <a:endParaRPr lang="en-US"/>
           </a:p>
@@ -2673,7 +2674,7 @@
           <a:p>
             <a:fld id="{E0B89D21-97A6-4434-B3B1-BAF5738D61F3}" type="datetimeFigureOut">
               <a:rPr lang="en-US" smtClean="0"/>
-              <a:t>9/16/2024</a:t>
+              <a:t>9/17/2024</a:t>
             </a:fld>
             <a:endParaRPr lang="en-US"/>
           </a:p>
@@ -2984,7 +2985,7 @@
           <a:p>
             <a:fld id="{E0B89D21-97A6-4434-B3B1-BAF5738D61F3}" type="datetimeFigureOut">
               <a:rPr lang="en-US" smtClean="0"/>
-              <a:t>9/16/2024</a:t>
+              <a:t>9/17/2024</a:t>
             </a:fld>
             <a:endParaRPr lang="en-US"/>
           </a:p>
@@ -3272,7 +3273,7 @@
           <a:p>
             <a:fld id="{E0B89D21-97A6-4434-B3B1-BAF5738D61F3}" type="datetimeFigureOut">
               <a:rPr lang="en-US" smtClean="0"/>
-              <a:t>9/16/2024</a:t>
+              <a:t>9/17/2024</a:t>
             </a:fld>
             <a:endParaRPr lang="en-US"/>
           </a:p>
@@ -3513,7 +3514,7 @@
           <a:p>
             <a:fld id="{E0B89D21-97A6-4434-B3B1-BAF5738D61F3}" type="datetimeFigureOut">
               <a:rPr lang="en-US" smtClean="0"/>
-              <a:t>9/16/2024</a:t>
+              <a:t>9/17/2024</a:t>
             </a:fld>
             <a:endParaRPr lang="en-US"/>
           </a:p>
@@ -4493,6 +4494,353 @@
     <p:extLst>
       <p:ext uri="{BB962C8B-B14F-4D97-AF65-F5344CB8AC3E}">
         <p14:creationId xmlns:p14="http://schemas.microsoft.com/office/powerpoint/2010/main" val="1444773912"/>
+      </p:ext>
+    </p:extLst>
+  </p:cSld>
+  <p:clrMapOvr>
+    <a:masterClrMapping/>
+  </p:clrMapOvr>
+</p:sld>
+</file>
+
+<file path=ppt/slides/slide6.xml><?xml version="1.0" encoding="utf-8"?>
+<p:sld xmlns:a="http://schemas.openxmlformats.org/drawingml/2006/main" xmlns:r="http://schemas.openxmlformats.org/officeDocument/2006/relationships" xmlns:p="http://schemas.openxmlformats.org/presentationml/2006/main">
+  <p:cSld>
+    <p:spTree>
+      <p:nvGrpSpPr>
+        <p:cNvPr id="1" name=""/>
+        <p:cNvGrpSpPr/>
+        <p:nvPr/>
+      </p:nvGrpSpPr>
+      <p:grpSpPr>
+        <a:xfrm>
+          <a:off x="0" y="0"/>
+          <a:ext cx="0" cy="0"/>
+          <a:chOff x="0" y="0"/>
+          <a:chExt cx="0" cy="0"/>
+        </a:xfrm>
+      </p:grpSpPr>
+      <p:sp>
+        <p:nvSpPr>
+          <p:cNvPr id="2" name="Title 1">
+            <a:extLst>
+              <a:ext uri="{FF2B5EF4-FFF2-40B4-BE49-F238E27FC236}">
+                <a16:creationId xmlns:a16="http://schemas.microsoft.com/office/drawing/2014/main" id="{EC91B019-9567-383E-0656-B3CA38D7A969}"/>
+              </a:ext>
+            </a:extLst>
+          </p:cNvPr>
+          <p:cNvSpPr>
+            <a:spLocks noGrp="1"/>
+          </p:cNvSpPr>
+          <p:nvPr>
+            <p:ph type="title"/>
+          </p:nvPr>
+        </p:nvSpPr>
+        <p:spPr/>
+        <p:txBody>
+          <a:bodyPr/>
+          <a:lstStyle/>
+          <a:p>
+            <a:r>
+              <a:rPr lang="en-US" dirty="0" err="1"/>
+              <a:t>Práctica</a:t>
+            </a:r>
+            <a:endParaRPr lang="es-EC" dirty="0"/>
+          </a:p>
+        </p:txBody>
+      </p:sp>
+      <p:sp>
+        <p:nvSpPr>
+          <p:cNvPr id="3" name="Content Placeholder 2">
+            <a:extLst>
+              <a:ext uri="{FF2B5EF4-FFF2-40B4-BE49-F238E27FC236}">
+                <a16:creationId xmlns:a16="http://schemas.microsoft.com/office/drawing/2014/main" id="{CD7509B7-86C3-C892-F5DA-D818A8273681}"/>
+              </a:ext>
+            </a:extLst>
+          </p:cNvPr>
+          <p:cNvSpPr>
+            <a:spLocks noGrp="1"/>
+          </p:cNvSpPr>
+          <p:nvPr>
+            <p:ph idx="1"/>
+          </p:nvPr>
+        </p:nvSpPr>
+        <p:spPr/>
+        <p:txBody>
+          <a:bodyPr>
+            <a:normAutofit/>
+          </a:bodyPr>
+          <a:lstStyle/>
+          <a:p>
+            <a:pPr marL="514350" indent="-514350">
+              <a:buFont typeface="+mj-lt"/>
+              <a:buAutoNum type="arabicPeriod"/>
+            </a:pPr>
+            <a:r>
+              <a:rPr lang="en-US" sz="2400" dirty="0" err="1"/>
+              <a:t>Crear</a:t>
+            </a:r>
+            <a:r>
+              <a:rPr lang="en-US" sz="2400" dirty="0"/>
+              <a:t> </a:t>
+            </a:r>
+            <a:r>
+              <a:rPr lang="en-US" sz="2400" dirty="0" err="1"/>
+              <a:t>una</a:t>
+            </a:r>
+            <a:r>
+              <a:rPr lang="en-US" sz="2400" dirty="0"/>
+              <a:t> </a:t>
+            </a:r>
+            <a:r>
+              <a:rPr lang="en-US" sz="2400" dirty="0" err="1"/>
+              <a:t>nueva</a:t>
+            </a:r>
+            <a:r>
+              <a:rPr lang="en-US" sz="2400" dirty="0"/>
+              <a:t> </a:t>
+            </a:r>
+            <a:r>
+              <a:rPr lang="en-US" sz="2400" dirty="0" err="1"/>
+              <a:t>ruta</a:t>
+            </a:r>
+            <a:r>
+              <a:rPr lang="en-US" sz="2400" dirty="0"/>
+              <a:t> “users/view/{id}”, </a:t>
+            </a:r>
+            <a:r>
+              <a:rPr lang="en-US" sz="2400" dirty="0" err="1"/>
+              <a:t>donde</a:t>
+            </a:r>
+            <a:r>
+              <a:rPr lang="en-US" sz="2400" dirty="0"/>
+              <a:t> {id} es un parametron </a:t>
+            </a:r>
+            <a:r>
+              <a:rPr lang="en-US" sz="2400" dirty="0" err="1"/>
+              <a:t>obligaotrio</a:t>
+            </a:r>
+            <a:r>
+              <a:rPr lang="en-US" sz="2400" dirty="0"/>
+              <a:t> de la </a:t>
+            </a:r>
+            <a:r>
+              <a:rPr lang="en-US" sz="2400" dirty="0" err="1"/>
+              <a:t>ruta</a:t>
+            </a:r>
+            <a:r>
+              <a:rPr lang="en-US" sz="2400" dirty="0"/>
+              <a:t>.</a:t>
+            </a:r>
+          </a:p>
+          <a:p>
+            <a:pPr marL="514350" indent="-514350">
+              <a:buFont typeface="+mj-lt"/>
+              <a:buAutoNum type="arabicPeriod"/>
+            </a:pPr>
+            <a:r>
+              <a:rPr lang="en-US" sz="2400" dirty="0"/>
+              <a:t>El {id} se </a:t>
+            </a:r>
+            <a:r>
+              <a:rPr lang="en-US" sz="2400" dirty="0" err="1"/>
+              <a:t>usará</a:t>
+            </a:r>
+            <a:r>
+              <a:rPr lang="en-US" sz="2400" dirty="0"/>
+              <a:t> </a:t>
+            </a:r>
+            <a:r>
+              <a:rPr lang="en-US" sz="2400" dirty="0" err="1"/>
+              <a:t>como</a:t>
+            </a:r>
+            <a:r>
+              <a:rPr lang="en-US" sz="2400" dirty="0"/>
+              <a:t> valor para </a:t>
+            </a:r>
+            <a:r>
+              <a:rPr lang="en-US" sz="2400" dirty="0" err="1"/>
+              <a:t>retorna</a:t>
+            </a:r>
+            <a:r>
+              <a:rPr lang="en-US" sz="2400" dirty="0"/>
+              <a:t> </a:t>
+            </a:r>
+            <a:r>
+              <a:rPr lang="en-US" sz="2400" dirty="0" err="1"/>
+              <a:t>el</a:t>
+            </a:r>
+            <a:r>
+              <a:rPr lang="en-US" sz="2400" dirty="0"/>
+              <a:t> </a:t>
+            </a:r>
+            <a:r>
+              <a:rPr lang="en-US" sz="2400" dirty="0" err="1"/>
+              <a:t>usuario</a:t>
+            </a:r>
+            <a:r>
+              <a:rPr lang="en-US" sz="2400" dirty="0"/>
+              <a:t> con </a:t>
+            </a:r>
+            <a:r>
+              <a:rPr lang="en-US" sz="2400" dirty="0" err="1"/>
+              <a:t>el</a:t>
+            </a:r>
+            <a:r>
+              <a:rPr lang="en-US" sz="2400" dirty="0"/>
+              <a:t> </a:t>
+            </a:r>
+            <a:r>
+              <a:rPr lang="en-US" sz="2400" dirty="0" err="1"/>
+              <a:t>índece</a:t>
+            </a:r>
+            <a:r>
+              <a:rPr lang="en-US" sz="2400" dirty="0"/>
+              <a:t> </a:t>
+            </a:r>
+            <a:r>
+              <a:rPr lang="en-US" sz="2400" dirty="0" err="1"/>
+              <a:t>correspondiente</a:t>
+            </a:r>
+            <a:r>
+              <a:rPr lang="en-US" sz="2400" dirty="0"/>
+              <a:t> del Array.</a:t>
+            </a:r>
+          </a:p>
+          <a:p>
+            <a:pPr marL="514350" indent="-514350">
+              <a:buFont typeface="+mj-lt"/>
+              <a:buAutoNum type="arabicPeriod"/>
+            </a:pPr>
+            <a:r>
+              <a:rPr lang="en-US" sz="2400" dirty="0" err="1"/>
+              <a:t>Agregar</a:t>
+            </a:r>
+            <a:r>
+              <a:rPr lang="en-US" sz="2400" dirty="0"/>
+              <a:t> </a:t>
+            </a:r>
+            <a:r>
+              <a:rPr lang="en-US" sz="2400" dirty="0" err="1"/>
+              <a:t>el</a:t>
+            </a:r>
+            <a:r>
+              <a:rPr lang="en-US" sz="2400" dirty="0"/>
+              <a:t> prop </a:t>
+            </a:r>
+            <a:r>
+              <a:rPr lang="en-US" sz="2400" dirty="0" err="1"/>
+              <a:t>opcional</a:t>
+            </a:r>
+            <a:r>
+              <a:rPr lang="en-US" sz="2400" dirty="0"/>
+              <a:t> “index” </a:t>
+            </a:r>
+            <a:r>
+              <a:rPr lang="en-US" sz="2400" dirty="0" err="1"/>
+              <a:t>en</a:t>
+            </a:r>
+            <a:r>
+              <a:rPr lang="en-US" sz="2400" dirty="0"/>
+              <a:t> </a:t>
+            </a:r>
+            <a:r>
+              <a:rPr lang="en-US" sz="2400" dirty="0" err="1"/>
+              <a:t>el</a:t>
+            </a:r>
+            <a:r>
+              <a:rPr lang="en-US" sz="2400" dirty="0"/>
+              <a:t> </a:t>
+            </a:r>
+            <a:r>
+              <a:rPr lang="en-US" sz="2400" dirty="0" err="1"/>
+              <a:t>componente</a:t>
+            </a:r>
+            <a:r>
+              <a:rPr lang="en-US" sz="2400" dirty="0"/>
+              <a:t> UserProfile que solo se </a:t>
+            </a:r>
+            <a:r>
+              <a:rPr lang="en-US" sz="2400" dirty="0" err="1"/>
+              <a:t>enviará</a:t>
+            </a:r>
+            <a:r>
+              <a:rPr lang="en-US" sz="2400" dirty="0"/>
+              <a:t> </a:t>
+            </a:r>
+            <a:r>
+              <a:rPr lang="en-US" sz="2400" dirty="0" err="1"/>
+              <a:t>desde</a:t>
+            </a:r>
+            <a:r>
+              <a:rPr lang="en-US" sz="2400" dirty="0"/>
+              <a:t> </a:t>
+            </a:r>
+            <a:r>
+              <a:rPr lang="en-US" sz="2400" dirty="0" err="1"/>
+              <a:t>el</a:t>
+            </a:r>
+            <a:r>
+              <a:rPr lang="en-US" sz="2400" dirty="0"/>
+              <a:t> </a:t>
+            </a:r>
+            <a:r>
+              <a:rPr lang="en-US" sz="2400" dirty="0" err="1"/>
+              <a:t>componente</a:t>
+            </a:r>
+            <a:r>
+              <a:rPr lang="en-US" sz="2400" dirty="0"/>
+              <a:t> “index” de la </a:t>
+            </a:r>
+            <a:r>
+              <a:rPr lang="en-US" sz="2400" dirty="0" err="1"/>
+              <a:t>carpeta</a:t>
+            </a:r>
+            <a:r>
+              <a:rPr lang="en-US" sz="2400" dirty="0"/>
+              <a:t> “pages/Users”.</a:t>
+            </a:r>
+          </a:p>
+          <a:p>
+            <a:pPr marL="514350" indent="-514350">
+              <a:buFont typeface="+mj-lt"/>
+              <a:buAutoNum type="arabicPeriod"/>
+            </a:pPr>
+            <a:r>
+              <a:rPr lang="es-EC" sz="2400" dirty="0"/>
+              <a:t>Si el prop existe mostrar un tag &lt;a/&gt; para dirigir a la ruta “/users/view/{id}”.</a:t>
+            </a:r>
+          </a:p>
+          <a:p>
+            <a:pPr marL="514350" indent="-514350">
+              <a:buFont typeface="+mj-lt"/>
+              <a:buAutoNum type="arabicPeriod"/>
+            </a:pPr>
+            <a:endParaRPr lang="es-EC" sz="2400" dirty="0"/>
+          </a:p>
+          <a:p>
+            <a:pPr marL="0" indent="0">
+              <a:buNone/>
+            </a:pPr>
+            <a:r>
+              <a:rPr lang="es-EC" sz="2400" dirty="0"/>
+              <a:t>HINT:  Tomar en cuenta el uso del prop “Loader”, la sintaxis para definir parámetros en React-router y crear una nueva función “</a:t>
+            </a:r>
+            <a:r>
+              <a:rPr lang="es-EC" sz="2400" dirty="0" err="1"/>
+              <a:t>loadUserByIndex</a:t>
+            </a:r>
+            <a:r>
+              <a:rPr lang="es-EC" sz="2400" dirty="0"/>
+              <a:t>” para devolver el usuario.</a:t>
+            </a:r>
+          </a:p>
+        </p:txBody>
+      </p:sp>
+    </p:spTree>
+    <p:extLst>
+      <p:ext uri="{BB962C8B-B14F-4D97-AF65-F5344CB8AC3E}">
+        <p14:creationId xmlns:p14="http://schemas.microsoft.com/office/powerpoint/2010/main" val="924006481"/>
       </p:ext>
     </p:extLst>
   </p:cSld>
@@ -5142,6 +5490,14 @@
 </file>
 
 <file path=customXml/item2.xml><?xml version="1.0" encoding="utf-8"?>
+<p:properties xmlns:p="http://schemas.microsoft.com/office/2006/metadata/properties" xmlns:xsi="http://www.w3.org/2001/XMLSchema-instance" xmlns:pc="http://schemas.microsoft.com/office/infopath/2007/PartnerControls">
+  <documentManagement>
+    <_activity xmlns="98b3f1ad-107c-497c-bb15-64aaebc89f52" xsi:nil="true"/>
+  </documentManagement>
+</p:properties>
+</file>
+
+<file path=customXml/item3.xml><?xml version="1.0" encoding="utf-8"?>
 <ct:contentTypeSchema xmlns:ct="http://schemas.microsoft.com/office/2006/metadata/contentType" xmlns:ma="http://schemas.microsoft.com/office/2006/metadata/properties/metaAttributes" ct:_="" ma:_="" ma:contentTypeName="Documento" ma:contentTypeID="0x0101000ABC46EDA268834388609BD5B286F917" ma:contentTypeVersion="17" ma:contentTypeDescription="Crear nuevo documento." ma:contentTypeScope="" ma:versionID="b8ef759d716670bba47381dcbb7cab08">
   <xsd:schema xmlns:xsd="http://www.w3.org/2001/XMLSchema" xmlns:xs="http://www.w3.org/2001/XMLSchema" xmlns:p="http://schemas.microsoft.com/office/2006/metadata/properties" xmlns:ns3="98b3f1ad-107c-497c-bb15-64aaebc89f52" xmlns:ns4="a0690ee9-4047-4223-84b2-6b02f926f5d8" targetNamespace="http://schemas.microsoft.com/office/2006/metadata/properties" ma:root="true" ma:fieldsID="f0548e293e02a81e2d97140f47270d75" ns3:_="" ns4:_="">
     <xsd:import namespace="98b3f1ad-107c-497c-bb15-64aaebc89f52"/>
@@ -5388,14 +5744,6 @@
 </ct:contentTypeSchema>
 </file>
 
-<file path=customXml/item3.xml><?xml version="1.0" encoding="utf-8"?>
-<p:properties xmlns:p="http://schemas.microsoft.com/office/2006/metadata/properties" xmlns:xsi="http://www.w3.org/2001/XMLSchema-instance" xmlns:pc="http://schemas.microsoft.com/office/infopath/2007/PartnerControls">
-  <documentManagement>
-    <_activity xmlns="98b3f1ad-107c-497c-bb15-64aaebc89f52" xsi:nil="true"/>
-  </documentManagement>
-</p:properties>
-</file>
-
 <file path=customXml/itemProps1.xml><?xml version="1.0" encoding="utf-8"?>
 <ds:datastoreItem xmlns:ds="http://schemas.openxmlformats.org/officeDocument/2006/customXml" ds:itemID="{F5C501D5-0101-419A-AFBB-D8F04111C142}">
   <ds:schemaRefs>
@@ -5405,6 +5753,23 @@
 </file>
 
 <file path=customXml/itemProps2.xml><?xml version="1.0" encoding="utf-8"?>
+<ds:datastoreItem xmlns:ds="http://schemas.openxmlformats.org/officeDocument/2006/customXml" ds:itemID="{EEC6291A-1BB8-4D31-80EF-6AAECF11ECF7}">
+  <ds:schemaRefs>
+    <ds:schemaRef ds:uri="a0690ee9-4047-4223-84b2-6b02f926f5d8"/>
+    <ds:schemaRef ds:uri="http://www.w3.org/XML/1998/namespace"/>
+    <ds:schemaRef ds:uri="http://schemas.microsoft.com/office/2006/metadata/properties"/>
+    <ds:schemaRef ds:uri="http://schemas.microsoft.com/office/2006/documentManagement/types"/>
+    <ds:schemaRef ds:uri="98b3f1ad-107c-497c-bb15-64aaebc89f52"/>
+    <ds:schemaRef ds:uri="http://purl.org/dc/elements/1.1/"/>
+    <ds:schemaRef ds:uri="http://purl.org/dc/dcmitype/"/>
+    <ds:schemaRef ds:uri="http://purl.org/dc/terms/"/>
+    <ds:schemaRef ds:uri="http://schemas.microsoft.com/office/infopath/2007/PartnerControls"/>
+    <ds:schemaRef ds:uri="http://schemas.openxmlformats.org/package/2006/metadata/core-properties"/>
+  </ds:schemaRefs>
+</ds:datastoreItem>
+</file>
+
+<file path=customXml/itemProps3.xml><?xml version="1.0" encoding="utf-8"?>
 <ds:datastoreItem xmlns:ds="http://schemas.openxmlformats.org/officeDocument/2006/customXml" ds:itemID="{3FCEF456-3233-44D6-BC5A-12E8FD4D2764}">
   <ds:schemaRefs>
     <ds:schemaRef ds:uri="http://schemas.microsoft.com/office/2006/metadata/contentType"/>
@@ -5421,21 +5786,4 @@
     <ds:schemaRef ds:uri="http://schemas.microsoft.com/internal/obd"/>
   </ds:schemaRefs>
 </ds:datastoreItem>
-</file>
-
-<file path=customXml/itemProps3.xml><?xml version="1.0" encoding="utf-8"?>
-<ds:datastoreItem xmlns:ds="http://schemas.openxmlformats.org/officeDocument/2006/customXml" ds:itemID="{EEC6291A-1BB8-4D31-80EF-6AAECF11ECF7}">
-  <ds:schemaRefs>
-    <ds:schemaRef ds:uri="a0690ee9-4047-4223-84b2-6b02f926f5d8"/>
-    <ds:schemaRef ds:uri="http://www.w3.org/XML/1998/namespace"/>
-    <ds:schemaRef ds:uri="http://schemas.microsoft.com/office/2006/metadata/properties"/>
-    <ds:schemaRef ds:uri="http://schemas.microsoft.com/office/2006/documentManagement/types"/>
-    <ds:schemaRef ds:uri="98b3f1ad-107c-497c-bb15-64aaebc89f52"/>
-    <ds:schemaRef ds:uri="http://purl.org/dc/elements/1.1/"/>
-    <ds:schemaRef ds:uri="http://purl.org/dc/dcmitype/"/>
-    <ds:schemaRef ds:uri="http://purl.org/dc/terms/"/>
-    <ds:schemaRef ds:uri="http://schemas.microsoft.com/office/infopath/2007/PartnerControls"/>
-    <ds:schemaRef ds:uri="http://schemas.openxmlformats.org/package/2006/metadata/core-properties"/>
-  </ds:schemaRefs>
-</ds:datastoreItem>
 </file>
--- a/Unidad_3/Presentación.pptx
+++ b/Unidad_3/Presentación.pptx
@@ -5,15 +5,16 @@
     <p:sldMasterId id="2147483648" r:id="rId4"/>
   </p:sldMasterIdLst>
   <p:notesMasterIdLst>
-    <p:notesMasterId r:id="rId11"/>
+    <p:notesMasterId r:id="rId12"/>
   </p:notesMasterIdLst>
   <p:sldIdLst>
     <p:sldId id="256" r:id="rId5"/>
     <p:sldId id="257" r:id="rId6"/>
     <p:sldId id="273" r:id="rId7"/>
     <p:sldId id="274" r:id="rId8"/>
-    <p:sldId id="275" r:id="rId9"/>
-    <p:sldId id="276" r:id="rId10"/>
+    <p:sldId id="277" r:id="rId9"/>
+    <p:sldId id="275" r:id="rId10"/>
+    <p:sldId id="276" r:id="rId11"/>
   </p:sldIdLst>
   <p:sldSz cx="12192000" cy="6858000"/>
   <p:notesSz cx="6858000" cy="9144000"/>
@@ -213,7 +214,7 @@
           <a:p>
             <a:fld id="{F29DC657-A5B9-41B4-AB57-79E3DB3481E8}" type="datetimeFigureOut">
               <a:rPr lang="en-US" smtClean="0"/>
-              <a:t>9/17/2024</a:t>
+              <a:t>9/18/2024</a:t>
             </a:fld>
             <a:endParaRPr lang="en-US"/>
           </a:p>
@@ -795,7 +796,7 @@
           <a:p>
             <a:fld id="{E0B89D21-97A6-4434-B3B1-BAF5738D61F3}" type="datetimeFigureOut">
               <a:rPr lang="en-US" smtClean="0"/>
-              <a:t>9/17/2024</a:t>
+              <a:t>9/18/2024</a:t>
             </a:fld>
             <a:endParaRPr lang="en-US"/>
           </a:p>
@@ -993,7 +994,7 @@
           <a:p>
             <a:fld id="{E0B89D21-97A6-4434-B3B1-BAF5738D61F3}" type="datetimeFigureOut">
               <a:rPr lang="en-US" smtClean="0"/>
-              <a:t>9/17/2024</a:t>
+              <a:t>9/18/2024</a:t>
             </a:fld>
             <a:endParaRPr lang="en-US"/>
           </a:p>
@@ -1201,7 +1202,7 @@
           <a:p>
             <a:fld id="{E0B89D21-97A6-4434-B3B1-BAF5738D61F3}" type="datetimeFigureOut">
               <a:rPr lang="en-US" smtClean="0"/>
-              <a:t>9/17/2024</a:t>
+              <a:t>9/18/2024</a:t>
             </a:fld>
             <a:endParaRPr lang="en-US"/>
           </a:p>
@@ -1468,7 +1469,7 @@
           <a:p>
             <a:fld id="{E0B89D21-97A6-4434-B3B1-BAF5738D61F3}" type="datetimeFigureOut">
               <a:rPr lang="en-US" smtClean="0"/>
-              <a:t>9/17/2024</a:t>
+              <a:t>9/18/2024</a:t>
             </a:fld>
             <a:endParaRPr lang="en-US"/>
           </a:p>
@@ -1743,7 +1744,7 @@
           <a:p>
             <a:fld id="{E0B89D21-97A6-4434-B3B1-BAF5738D61F3}" type="datetimeFigureOut">
               <a:rPr lang="en-US" smtClean="0"/>
-              <a:t>9/17/2024</a:t>
+              <a:t>9/18/2024</a:t>
             </a:fld>
             <a:endParaRPr lang="en-US"/>
           </a:p>
@@ -2008,7 +2009,7 @@
           <a:p>
             <a:fld id="{E0B89D21-97A6-4434-B3B1-BAF5738D61F3}" type="datetimeFigureOut">
               <a:rPr lang="en-US" smtClean="0"/>
-              <a:t>9/17/2024</a:t>
+              <a:t>9/18/2024</a:t>
             </a:fld>
             <a:endParaRPr lang="en-US"/>
           </a:p>
@@ -2420,7 +2421,7 @@
           <a:p>
             <a:fld id="{E0B89D21-97A6-4434-B3B1-BAF5738D61F3}" type="datetimeFigureOut">
               <a:rPr lang="en-US" smtClean="0"/>
-              <a:t>9/17/2024</a:t>
+              <a:t>9/18/2024</a:t>
             </a:fld>
             <a:endParaRPr lang="en-US"/>
           </a:p>
@@ -2561,7 +2562,7 @@
           <a:p>
             <a:fld id="{E0B89D21-97A6-4434-B3B1-BAF5738D61F3}" type="datetimeFigureOut">
               <a:rPr lang="en-US" smtClean="0"/>
-              <a:t>9/17/2024</a:t>
+              <a:t>9/18/2024</a:t>
             </a:fld>
             <a:endParaRPr lang="en-US"/>
           </a:p>
@@ -2674,7 +2675,7 @@
           <a:p>
             <a:fld id="{E0B89D21-97A6-4434-B3B1-BAF5738D61F3}" type="datetimeFigureOut">
               <a:rPr lang="en-US" smtClean="0"/>
-              <a:t>9/17/2024</a:t>
+              <a:t>9/18/2024</a:t>
             </a:fld>
             <a:endParaRPr lang="en-US"/>
           </a:p>
@@ -2985,7 +2986,7 @@
           <a:p>
             <a:fld id="{E0B89D21-97A6-4434-B3B1-BAF5738D61F3}" type="datetimeFigureOut">
               <a:rPr lang="en-US" smtClean="0"/>
-              <a:t>9/17/2024</a:t>
+              <a:t>9/18/2024</a:t>
             </a:fld>
             <a:endParaRPr lang="en-US"/>
           </a:p>
@@ -3273,7 +3274,7 @@
           <a:p>
             <a:fld id="{E0B89D21-97A6-4434-B3B1-BAF5738D61F3}" type="datetimeFigureOut">
               <a:rPr lang="en-US" smtClean="0"/>
-              <a:t>9/17/2024</a:t>
+              <a:t>9/18/2024</a:t>
             </a:fld>
             <a:endParaRPr lang="en-US"/>
           </a:p>
@@ -3514,7 +3515,7 @@
           <a:p>
             <a:fld id="{E0B89D21-97A6-4434-B3B1-BAF5738D61F3}" type="datetimeFigureOut">
               <a:rPr lang="en-US" smtClean="0"/>
-              <a:t>9/17/2024</a:t>
+              <a:t>9/18/2024</a:t>
             </a:fld>
             <a:endParaRPr lang="en-US"/>
           </a:p>
@@ -4324,6 +4325,14 @@
 <file path=ppt/slides/slide5.xml><?xml version="1.0" encoding="utf-8"?>
 <p:sld xmlns:a="http://schemas.openxmlformats.org/drawingml/2006/main" xmlns:r="http://schemas.openxmlformats.org/officeDocument/2006/relationships" xmlns:p="http://schemas.openxmlformats.org/presentationml/2006/main">
   <p:cSld>
+    <p:bg>
+      <p:bgPr>
+        <a:solidFill>
+          <a:schemeClr val="bg1"/>
+        </a:solidFill>
+        <a:effectLst/>
+      </p:bgPr>
+    </p:bg>
     <p:spTree>
       <p:nvGrpSpPr>
         <p:cNvPr id="1" name=""/>
@@ -4338,6 +4347,65 @@
           <a:chExt cx="0" cy="0"/>
         </a:xfrm>
       </p:grpSpPr>
+      <p:pic>
+        <p:nvPicPr>
+          <p:cNvPr id="11" name="Picture 10" descr="A screenshot of a computer&#10;&#10;Description automatically generated">
+            <a:extLst>
+              <a:ext uri="{FF2B5EF4-FFF2-40B4-BE49-F238E27FC236}">
+                <a16:creationId xmlns:a16="http://schemas.microsoft.com/office/drawing/2014/main" id="{7395AA61-BC53-F266-EAC3-723F6A0205E8}"/>
+              </a:ext>
+            </a:extLst>
+          </p:cNvPr>
+          <p:cNvPicPr>
+            <a:picLocks noChangeAspect="1"/>
+          </p:cNvPicPr>
+          <p:nvPr/>
+        </p:nvPicPr>
+        <p:blipFill>
+          <a:blip r:embed="rId2"/>
+          <a:srcRect t="444"/>
+          <a:stretch/>
+        </p:blipFill>
+        <p:spPr>
+          <a:xfrm>
+            <a:off x="4912170" y="85526"/>
+            <a:ext cx="2367660" cy="6686948"/>
+          </a:xfrm>
+          <a:prstGeom prst="rect">
+            <a:avLst/>
+          </a:prstGeom>
+        </p:spPr>
+      </p:pic>
+    </p:spTree>
+    <p:extLst>
+      <p:ext uri="{BB962C8B-B14F-4D97-AF65-F5344CB8AC3E}">
+        <p14:creationId xmlns:p14="http://schemas.microsoft.com/office/powerpoint/2010/main" val="1860336297"/>
+      </p:ext>
+    </p:extLst>
+  </p:cSld>
+  <p:clrMapOvr>
+    <a:masterClrMapping/>
+  </p:clrMapOvr>
+</p:sld>
+</file>
+
+<file path=ppt/slides/slide6.xml><?xml version="1.0" encoding="utf-8"?>
+<p:sld xmlns:a="http://schemas.openxmlformats.org/drawingml/2006/main" xmlns:r="http://schemas.openxmlformats.org/officeDocument/2006/relationships" xmlns:p="http://schemas.openxmlformats.org/presentationml/2006/main">
+  <p:cSld>
+    <p:spTree>
+      <p:nvGrpSpPr>
+        <p:cNvPr id="1" name=""/>
+        <p:cNvGrpSpPr/>
+        <p:nvPr/>
+      </p:nvGrpSpPr>
+      <p:grpSpPr>
+        <a:xfrm>
+          <a:off x="0" y="0"/>
+          <a:ext cx="0" cy="0"/>
+          <a:chOff x="0" y="0"/>
+          <a:chExt cx="0" cy="0"/>
+        </a:xfrm>
+      </p:grpSpPr>
       <p:sp>
         <p:nvSpPr>
           <p:cNvPr id="2" name="Title 1">
@@ -4503,7 +4571,7 @@
 </p:sld>
 </file>
 
-<file path=ppt/slides/slide6.xml><?xml version="1.0" encoding="utf-8"?>
+<file path=ppt/slides/slide7.xml><?xml version="1.0" encoding="utf-8"?>
 <p:sld xmlns:a="http://schemas.openxmlformats.org/drawingml/2006/main" xmlns:r="http://schemas.openxmlformats.org/officeDocument/2006/relationships" xmlns:p="http://schemas.openxmlformats.org/presentationml/2006/main">
   <p:cSld>
     <p:spTree>
@@ -5490,14 +5558,6 @@
 </file>
 
 <file path=customXml/item2.xml><?xml version="1.0" encoding="utf-8"?>
-<p:properties xmlns:p="http://schemas.microsoft.com/office/2006/metadata/properties" xmlns:xsi="http://www.w3.org/2001/XMLSchema-instance" xmlns:pc="http://schemas.microsoft.com/office/infopath/2007/PartnerControls">
-  <documentManagement>
-    <_activity xmlns="98b3f1ad-107c-497c-bb15-64aaebc89f52" xsi:nil="true"/>
-  </documentManagement>
-</p:properties>
-</file>
-
-<file path=customXml/item3.xml><?xml version="1.0" encoding="utf-8"?>
 <ct:contentTypeSchema xmlns:ct="http://schemas.microsoft.com/office/2006/metadata/contentType" xmlns:ma="http://schemas.microsoft.com/office/2006/metadata/properties/metaAttributes" ct:_="" ma:_="" ma:contentTypeName="Documento" ma:contentTypeID="0x0101000ABC46EDA268834388609BD5B286F917" ma:contentTypeVersion="17" ma:contentTypeDescription="Crear nuevo documento." ma:contentTypeScope="" ma:versionID="b8ef759d716670bba47381dcbb7cab08">
   <xsd:schema xmlns:xsd="http://www.w3.org/2001/XMLSchema" xmlns:xs="http://www.w3.org/2001/XMLSchema" xmlns:p="http://schemas.microsoft.com/office/2006/metadata/properties" xmlns:ns3="98b3f1ad-107c-497c-bb15-64aaebc89f52" xmlns:ns4="a0690ee9-4047-4223-84b2-6b02f926f5d8" targetNamespace="http://schemas.microsoft.com/office/2006/metadata/properties" ma:root="true" ma:fieldsID="f0548e293e02a81e2d97140f47270d75" ns3:_="" ns4:_="">
     <xsd:import namespace="98b3f1ad-107c-497c-bb15-64aaebc89f52"/>
@@ -5744,6 +5804,14 @@
 </ct:contentTypeSchema>
 </file>
 
+<file path=customXml/item3.xml><?xml version="1.0" encoding="utf-8"?>
+<p:properties xmlns:p="http://schemas.microsoft.com/office/2006/metadata/properties" xmlns:xsi="http://www.w3.org/2001/XMLSchema-instance" xmlns:pc="http://schemas.microsoft.com/office/infopath/2007/PartnerControls">
+  <documentManagement>
+    <_activity xmlns="98b3f1ad-107c-497c-bb15-64aaebc89f52" xsi:nil="true"/>
+  </documentManagement>
+</p:properties>
+</file>
+
 <file path=customXml/itemProps1.xml><?xml version="1.0" encoding="utf-8"?>
 <ds:datastoreItem xmlns:ds="http://schemas.openxmlformats.org/officeDocument/2006/customXml" ds:itemID="{F5C501D5-0101-419A-AFBB-D8F04111C142}">
   <ds:schemaRefs>
@@ -5753,23 +5821,6 @@
 </file>
 
 <file path=customXml/itemProps2.xml><?xml version="1.0" encoding="utf-8"?>
-<ds:datastoreItem xmlns:ds="http://schemas.openxmlformats.org/officeDocument/2006/customXml" ds:itemID="{EEC6291A-1BB8-4D31-80EF-6AAECF11ECF7}">
-  <ds:schemaRefs>
-    <ds:schemaRef ds:uri="a0690ee9-4047-4223-84b2-6b02f926f5d8"/>
-    <ds:schemaRef ds:uri="http://www.w3.org/XML/1998/namespace"/>
-    <ds:schemaRef ds:uri="http://schemas.microsoft.com/office/2006/metadata/properties"/>
-    <ds:schemaRef ds:uri="http://schemas.microsoft.com/office/2006/documentManagement/types"/>
-    <ds:schemaRef ds:uri="98b3f1ad-107c-497c-bb15-64aaebc89f52"/>
-    <ds:schemaRef ds:uri="http://purl.org/dc/elements/1.1/"/>
-    <ds:schemaRef ds:uri="http://purl.org/dc/dcmitype/"/>
-    <ds:schemaRef ds:uri="http://purl.org/dc/terms/"/>
-    <ds:schemaRef ds:uri="http://schemas.microsoft.com/office/infopath/2007/PartnerControls"/>
-    <ds:schemaRef ds:uri="http://schemas.openxmlformats.org/package/2006/metadata/core-properties"/>
-  </ds:schemaRefs>
-</ds:datastoreItem>
-</file>
-
-<file path=customXml/itemProps3.xml><?xml version="1.0" encoding="utf-8"?>
 <ds:datastoreItem xmlns:ds="http://schemas.openxmlformats.org/officeDocument/2006/customXml" ds:itemID="{3FCEF456-3233-44D6-BC5A-12E8FD4D2764}">
   <ds:schemaRefs>
     <ds:schemaRef ds:uri="http://schemas.microsoft.com/office/2006/metadata/contentType"/>
@@ -5786,4 +5837,21 @@
     <ds:schemaRef ds:uri="http://schemas.microsoft.com/internal/obd"/>
   </ds:schemaRefs>
 </ds:datastoreItem>
+</file>
+
+<file path=customXml/itemProps3.xml><?xml version="1.0" encoding="utf-8"?>
+<ds:datastoreItem xmlns:ds="http://schemas.openxmlformats.org/officeDocument/2006/customXml" ds:itemID="{EEC6291A-1BB8-4D31-80EF-6AAECF11ECF7}">
+  <ds:schemaRefs>
+    <ds:schemaRef ds:uri="a0690ee9-4047-4223-84b2-6b02f926f5d8"/>
+    <ds:schemaRef ds:uri="http://www.w3.org/XML/1998/namespace"/>
+    <ds:schemaRef ds:uri="http://schemas.microsoft.com/office/2006/metadata/properties"/>
+    <ds:schemaRef ds:uri="http://schemas.microsoft.com/office/2006/documentManagement/types"/>
+    <ds:schemaRef ds:uri="98b3f1ad-107c-497c-bb15-64aaebc89f52"/>
+    <ds:schemaRef ds:uri="http://purl.org/dc/elements/1.1/"/>
+    <ds:schemaRef ds:uri="http://purl.org/dc/dcmitype/"/>
+    <ds:schemaRef ds:uri="http://purl.org/dc/terms/"/>
+    <ds:schemaRef ds:uri="http://schemas.microsoft.com/office/infopath/2007/PartnerControls"/>
+    <ds:schemaRef ds:uri="http://schemas.openxmlformats.org/package/2006/metadata/core-properties"/>
+  </ds:schemaRefs>
+</ds:datastoreItem>
 </file>